--- a/3251 - Cricket Prediction - Nitin Prakash.pptx
+++ b/3251 - Cricket Prediction - Nitin Prakash.pptx
@@ -2,7 +2,7 @@
 <file path=ppt/presentation.xml><?xml version="1.0" encoding="utf-8"?>
 <p:presentation xmlns:a="http://schemas.openxmlformats.org/drawingml/2006/main" xmlns:r="http://schemas.openxmlformats.org/officeDocument/2006/relationships" xmlns:p="http://schemas.openxmlformats.org/presentationml/2006/main" autoCompressPictures="0">
   <p:sldMasterIdLst>
-    <p:sldMasterId id="2147483648" r:id="rId1"/>
+    <p:sldMasterId id="2147483690" r:id="rId1"/>
   </p:sldMasterIdLst>
   <p:sldIdLst>
     <p:sldId id="256" r:id="rId2"/>
@@ -20,8 +20,8 @@
     <p:sldId id="275" r:id="rId14"/>
     <p:sldId id="269" r:id="rId15"/>
     <p:sldId id="270" r:id="rId16"/>
-    <p:sldId id="274" r:id="rId17"/>
-    <p:sldId id="271" r:id="rId18"/>
+    <p:sldId id="271" r:id="rId17"/>
+    <p:sldId id="274" r:id="rId18"/>
     <p:sldId id="273" r:id="rId19"/>
     <p:sldId id="272" r:id="rId20"/>
   </p:sldIdLst>
@@ -136,7 +136,9 @@
     <p:bg>
       <p:bgPr>
         <a:solidFill>
-          <a:schemeClr val="bg2"/>
+          <a:schemeClr val="bg2">
+            <a:lumMod val="75000"/>
+          </a:schemeClr>
         </a:solidFill>
         <a:effectLst/>
       </p:bgPr>
@@ -167,19 +169,22 @@
         </p:nvSpPr>
         <p:spPr>
           <a:xfrm>
-            <a:off x="1915128" y="1788454"/>
-            <a:ext cx="8361229" cy="2098226"/>
+            <a:off x="1261872" y="758952"/>
+            <a:ext cx="9418320" cy="4041648"/>
           </a:xfrm>
         </p:spPr>
         <p:txBody>
           <a:bodyPr anchor="b">
-            <a:noAutofit/>
+            <a:normAutofit/>
           </a:bodyPr>
           <a:lstStyle>
-            <a:lvl1pPr algn="ctr">
-              <a:defRPr sz="7200" cap="all" baseline="0">
+            <a:lvl1pPr algn="l">
+              <a:lnSpc>
+                <a:spcPct val="85000"/>
+              </a:lnSpc>
+              <a:defRPr sz="7200" baseline="0">
                 <a:solidFill>
-                  <a:schemeClr val="tx2"/>
+                  <a:schemeClr val="tx1"/>
                 </a:solidFill>
               </a:defRPr>
             </a:lvl1pPr>
@@ -205,8 +210,8 @@
         </p:nvSpPr>
         <p:spPr>
           <a:xfrm>
-            <a:off x="2679906" y="3956279"/>
-            <a:ext cx="6831673" cy="1086237"/>
+            <a:off x="1261872" y="4800600"/>
+            <a:ext cx="9418320" cy="1691640"/>
           </a:xfrm>
         </p:spPr>
         <p:txBody>
@@ -214,50 +219,47 @@
             <a:normAutofit/>
           </a:bodyPr>
           <a:lstStyle>
-            <a:lvl1pPr marL="0" indent="0" algn="ctr">
-              <a:lnSpc>
-                <a:spcPct val="112000"/>
-              </a:lnSpc>
-              <a:spcBef>
-                <a:spcPts val="0"/>
-              </a:spcBef>
-              <a:spcAft>
-                <a:spcPts val="0"/>
-              </a:spcAft>
+            <a:lvl1pPr marL="0" indent="0" algn="l">
               <a:buNone/>
-              <a:defRPr sz="2300"/>
+              <a:defRPr sz="2200" baseline="0">
+                <a:solidFill>
+                  <a:schemeClr val="tx1">
+                    <a:lumMod val="75000"/>
+                  </a:schemeClr>
+                </a:solidFill>
+              </a:defRPr>
             </a:lvl1pPr>
             <a:lvl2pPr marL="457200" indent="0" algn="ctr">
               <a:buNone/>
-              <a:defRPr sz="2000"/>
+              <a:defRPr sz="2200"/>
             </a:lvl2pPr>
             <a:lvl3pPr marL="914400" indent="0" algn="ctr">
               <a:buNone/>
-              <a:defRPr sz="1800"/>
+              <a:defRPr sz="2200"/>
             </a:lvl3pPr>
             <a:lvl4pPr marL="1371600" indent="0" algn="ctr">
               <a:buNone/>
-              <a:defRPr sz="1600"/>
+              <a:defRPr sz="2000"/>
             </a:lvl4pPr>
             <a:lvl5pPr marL="1828800" indent="0" algn="ctr">
               <a:buNone/>
-              <a:defRPr sz="1600"/>
+              <a:defRPr sz="2000"/>
             </a:lvl5pPr>
             <a:lvl6pPr marL="2286000" indent="0" algn="ctr">
               <a:buNone/>
-              <a:defRPr sz="1600"/>
+              <a:defRPr sz="2000"/>
             </a:lvl6pPr>
             <a:lvl7pPr marL="2743200" indent="0" algn="ctr">
               <a:buNone/>
-              <a:defRPr sz="1600"/>
+              <a:defRPr sz="2000"/>
             </a:lvl7pPr>
             <a:lvl8pPr marL="3200400" indent="0" algn="ctr">
               <a:buNone/>
-              <a:defRPr sz="1600"/>
+              <a:defRPr sz="2000"/>
             </a:lvl8pPr>
             <a:lvl9pPr marL="3657600" indent="0" algn="ctr">
               <a:buNone/>
-              <a:defRPr sz="1600"/>
+              <a:defRPr sz="2000"/>
             </a:lvl9pPr>
           </a:lstStyle>
           <a:p>
@@ -279,28 +281,25 @@
             <p:ph type="dt" sz="half" idx="10"/>
           </p:nvPr>
         </p:nvSpPr>
-        <p:spPr>
-          <a:xfrm>
-            <a:off x="752858" y="6453386"/>
-            <a:ext cx="1607944" cy="404614"/>
-          </a:xfrm>
-        </p:spPr>
+        <p:spPr/>
         <p:txBody>
           <a:bodyPr/>
           <a:lstStyle>
             <a:lvl1pPr>
-              <a:defRPr baseline="0">
+              <a:defRPr>
                 <a:solidFill>
-                  <a:schemeClr val="tx2"/>
+                  <a:schemeClr val="tx1">
+                    <a:lumMod val="50000"/>
+                  </a:schemeClr>
                 </a:solidFill>
               </a:defRPr>
             </a:lvl1pPr>
           </a:lstStyle>
           <a:p>
             <a:fld id="{87DE6118-2437-4B30-8E3C-4D2BE6020583}" type="datetimeFigureOut">
-              <a:rPr lang="en-US" dirty="0"/>
+              <a:rPr lang="en-US" smtClean="0"/>
               <a:pPr/>
-              <a:t>4/7/2019</a:t>
+              <a:t>4/10/2019</a:t>
             </a:fld>
             <a:endParaRPr lang="en-US" dirty="0"/>
           </a:p>
@@ -316,19 +315,16 @@
             <p:ph type="ftr" sz="quarter" idx="11"/>
           </p:nvPr>
         </p:nvSpPr>
-        <p:spPr>
-          <a:xfrm>
-            <a:off x="2584054" y="6453386"/>
-            <a:ext cx="7023377" cy="404614"/>
-          </a:xfrm>
-        </p:spPr>
+        <p:spPr/>
         <p:txBody>
           <a:bodyPr/>
           <a:lstStyle>
-            <a:lvl1pPr algn="ctr">
-              <a:defRPr baseline="0">
+            <a:lvl1pPr>
+              <a:defRPr>
                 <a:solidFill>
-                  <a:schemeClr val="tx2"/>
+                  <a:schemeClr val="tx1">
+                    <a:lumMod val="65000"/>
+                  </a:schemeClr>
                 </a:solidFill>
               </a:defRPr>
             </a:lvl1pPr>
@@ -348,26 +344,23 @@
             <p:ph type="sldNum" sz="quarter" idx="12"/>
           </p:nvPr>
         </p:nvSpPr>
-        <p:spPr>
-          <a:xfrm>
-            <a:off x="9830683" y="6453386"/>
-            <a:ext cx="1596292" cy="404614"/>
-          </a:xfrm>
-        </p:spPr>
+        <p:spPr/>
         <p:txBody>
           <a:bodyPr/>
           <a:lstStyle>
             <a:lvl1pPr>
-              <a:defRPr baseline="0">
+              <a:defRPr>
                 <a:solidFill>
-                  <a:schemeClr val="tx2"/>
+                  <a:schemeClr val="tx1">
+                    <a:lumMod val="65000"/>
+                  </a:schemeClr>
                 </a:solidFill>
               </a:defRPr>
             </a:lvl1pPr>
           </a:lstStyle>
           <a:p>
             <a:fld id="{69E57DC2-970A-4B3E-BB1C-7A09969E49DF}" type="slidenum">
-              <a:rPr lang="en-US" dirty="0"/>
+              <a:rPr lang="en-US" smtClean="0"/>
               <a:pPr/>
               <a:t>‹#›</a:t>
             </a:fld>
@@ -375,140 +368,59 @@
           </a:p>
         </p:txBody>
       </p:sp>
-      <p:grpSp>
-        <p:nvGrpSpPr>
-          <p:cNvPr id="7" name="Group 6"/>
-          <p:cNvGrpSpPr/>
+      <p:sp>
+        <p:nvSpPr>
+          <p:cNvPr id="7" name="Rectangle 6"/>
+          <p:cNvSpPr/>
           <p:nvPr/>
-        </p:nvGrpSpPr>
-        <p:grpSpPr>
+        </p:nvSpPr>
+        <p:spPr>
           <a:xfrm>
-            <a:off x="752858" y="744469"/>
-            <a:ext cx="10674117" cy="5349671"/>
-            <a:chOff x="752858" y="744469"/>
-            <a:chExt cx="10674117" cy="5349671"/>
+            <a:off x="0" y="0"/>
+            <a:ext cx="457200" cy="6858000"/>
           </a:xfrm>
-        </p:grpSpPr>
-        <p:sp>
-          <p:nvSpPr>
-            <p:cNvPr id="11" name="Freeform 6"/>
-            <p:cNvSpPr/>
-            <p:nvPr/>
-          </p:nvSpPr>
-          <p:spPr bwMode="auto">
-            <a:xfrm>
-              <a:off x="8151962" y="1685652"/>
-              <a:ext cx="3275013" cy="4408488"/>
-            </a:xfrm>
-            <a:custGeom>
-              <a:avLst/>
-              <a:gdLst/>
-              <a:ahLst/>
-              <a:cxnLst/>
-              <a:rect l="l" t="t" r="r" b="b"/>
-              <a:pathLst>
-                <a:path w="10000" h="10000">
-                  <a:moveTo>
-                    <a:pt x="8761" y="0"/>
-                  </a:moveTo>
-                  <a:lnTo>
-                    <a:pt x="10000" y="0"/>
-                  </a:lnTo>
-                  <a:lnTo>
-                    <a:pt x="10000" y="10000"/>
-                  </a:lnTo>
-                  <a:lnTo>
-                    <a:pt x="0" y="10000"/>
-                  </a:lnTo>
-                  <a:lnTo>
-                    <a:pt x="0" y="9126"/>
-                  </a:lnTo>
-                  <a:lnTo>
-                    <a:pt x="8761" y="9127"/>
-                  </a:lnTo>
-                  <a:lnTo>
-                    <a:pt x="8761" y="0"/>
-                  </a:lnTo>
-                  <a:close/>
-                </a:path>
-              </a:pathLst>
-            </a:custGeom>
-            <a:solidFill>
-              <a:schemeClr val="tx2"/>
-            </a:solidFill>
-            <a:ln w="0">
-              <a:noFill/>
-              <a:prstDash val="solid"/>
-              <a:round/>
-              <a:headEnd/>
-              <a:tailEnd/>
-            </a:ln>
-          </p:spPr>
-        </p:sp>
-        <p:sp>
-          <p:nvSpPr>
-            <p:cNvPr id="14" name="Freeform 6"/>
-            <p:cNvSpPr/>
-            <p:nvPr/>
-          </p:nvSpPr>
-          <p:spPr bwMode="auto">
-            <a:xfrm flipH="1" flipV="1">
-              <a:off x="752858" y="744469"/>
-              <a:ext cx="3275668" cy="4408488"/>
-            </a:xfrm>
-            <a:custGeom>
-              <a:avLst/>
-              <a:gdLst/>
-              <a:ahLst/>
-              <a:cxnLst/>
-              <a:rect l="l" t="t" r="r" b="b"/>
-              <a:pathLst>
-                <a:path w="10002" h="10000">
-                  <a:moveTo>
-                    <a:pt x="8763" y="0"/>
-                  </a:moveTo>
-                  <a:lnTo>
-                    <a:pt x="10002" y="0"/>
-                  </a:lnTo>
-                  <a:lnTo>
-                    <a:pt x="10002" y="10000"/>
-                  </a:lnTo>
-                  <a:lnTo>
-                    <a:pt x="2" y="10000"/>
-                  </a:lnTo>
-                  <a:cubicBezTo>
-                    <a:pt x="-2" y="9698"/>
-                    <a:pt x="4" y="9427"/>
-                    <a:pt x="0" y="9125"/>
-                  </a:cubicBezTo>
-                  <a:lnTo>
-                    <a:pt x="8763" y="9128"/>
-                  </a:lnTo>
-                  <a:lnTo>
-                    <a:pt x="8763" y="0"/>
-                  </a:lnTo>
-                  <a:close/>
-                </a:path>
-              </a:pathLst>
-            </a:custGeom>
-            <a:solidFill>
-              <a:schemeClr val="tx2"/>
-            </a:solidFill>
-            <a:ln w="0">
-              <a:noFill/>
-              <a:prstDash val="solid"/>
-              <a:round/>
-              <a:headEnd/>
-              <a:tailEnd/>
-            </a:ln>
-          </p:spPr>
-        </p:sp>
-      </p:grpSp>
+          <a:prstGeom prst="rect">
+            <a:avLst/>
+          </a:prstGeom>
+          <a:solidFill>
+            <a:schemeClr val="accent1"/>
+          </a:solidFill>
+          <a:ln>
+            <a:noFill/>
+          </a:ln>
+        </p:spPr>
+        <p:style>
+          <a:lnRef idx="2">
+            <a:schemeClr val="accent1">
+              <a:shade val="50000"/>
+            </a:schemeClr>
+          </a:lnRef>
+          <a:fillRef idx="1">
+            <a:schemeClr val="accent1"/>
+          </a:fillRef>
+          <a:effectRef idx="0">
+            <a:schemeClr val="accent1"/>
+          </a:effectRef>
+          <a:fontRef idx="minor">
+            <a:schemeClr val="lt1"/>
+          </a:fontRef>
+        </p:style>
+      </p:sp>
     </p:spTree>
+    <p:extLst>
+      <p:ext uri="{BB962C8B-B14F-4D97-AF65-F5344CB8AC3E}">
+        <p14:creationId xmlns:p14="http://schemas.microsoft.com/office/powerpoint/2010/main" val="2673873599"/>
+      </p:ext>
+    </p:extLst>
   </p:cSld>
   <p:clrMapOvr>
-    <a:overrideClrMapping bg1="lt1" tx1="dk1" bg2="lt2" tx2="dk2" accent1="accent1" accent2="accent2" accent3="accent3" accent4="accent4" accent5="accent5" accent6="accent6" hlink="hlink" folHlink="folHlink"/>
+    <a:overrideClrMapping bg1="dk1" tx1="lt1" bg2="dk2" tx2="lt2" accent1="accent1" accent2="accent2" accent3="accent3" accent4="accent4" accent5="accent5" accent6="accent6" hlink="hlink" folHlink="folHlink"/>
   </p:clrMapOvr>
+  <p:extLst>
+    <p:ext uri="{DCECCB84-F9BA-43D5-87BE-67443E8EF086}">
+      <p15:sldGuideLst xmlns:p15="http://schemas.microsoft.com/office/powerpoint/2012/main"/>
+    </p:ext>
+  </p:extLst>
 </p:sldLayout>
 </file>
 
@@ -562,12 +474,7 @@
             <p:ph type="body" orient="vert" idx="1"/>
           </p:nvPr>
         </p:nvSpPr>
-        <p:spPr>
-          <a:xfrm>
-            <a:off x="1371600" y="2295525"/>
-            <a:ext cx="9601200" cy="3571875"/>
-          </a:xfrm>
-        </p:spPr>
+        <p:spPr/>
         <p:txBody>
           <a:bodyPr vert="eaVert"/>
           <a:lstStyle/>
@@ -625,8 +532,8 @@
           <a:lstStyle/>
           <a:p>
             <a:fld id="{87DE6118-2437-4B30-8E3C-4D2BE6020583}" type="datetimeFigureOut">
-              <a:rPr lang="en-US" dirty="0"/>
-              <a:t>4/7/2019</a:t>
+              <a:rPr lang="en-US" smtClean="0"/>
+              <a:t>4/10/2019</a:t>
             </a:fld>
             <a:endParaRPr lang="en-US" dirty="0"/>
           </a:p>
@@ -667,7 +574,7 @@
           <a:lstStyle/>
           <a:p>
             <a:fld id="{69E57DC2-970A-4B3E-BB1C-7A09969E49DF}" type="slidenum">
-              <a:rPr lang="en-US" dirty="0"/>
+              <a:rPr lang="en-US" smtClean="0"/>
               <a:t>‹#›</a:t>
             </a:fld>
             <a:endParaRPr lang="en-US" dirty="0"/>
@@ -675,6 +582,11 @@
         </p:txBody>
       </p:sp>
     </p:spTree>
+    <p:extLst>
+      <p:ext uri="{BB962C8B-B14F-4D97-AF65-F5344CB8AC3E}">
+        <p14:creationId xmlns:p14="http://schemas.microsoft.com/office/powerpoint/2010/main" val="3665113264"/>
+      </p:ext>
+    </p:extLst>
   </p:cSld>
   <p:clrMapOvr>
     <a:masterClrMapping/>
@@ -711,8 +623,8 @@
         </p:nvSpPr>
         <p:spPr>
           <a:xfrm>
-            <a:off x="9596561" y="624156"/>
-            <a:ext cx="1565766" cy="5243244"/>
+            <a:off x="8648700" y="381000"/>
+            <a:ext cx="2476500" cy="5897562"/>
           </a:xfrm>
         </p:spPr>
         <p:txBody>
@@ -739,8 +651,8 @@
         </p:nvSpPr>
         <p:spPr>
           <a:xfrm>
-            <a:off x="1371600" y="624156"/>
-            <a:ext cx="8179641" cy="5243244"/>
+            <a:off x="762000" y="381000"/>
+            <a:ext cx="7734300" cy="5897562"/>
           </a:xfrm>
         </p:spPr>
         <p:txBody>
@@ -800,8 +712,8 @@
           <a:lstStyle/>
           <a:p>
             <a:fld id="{87DE6118-2437-4B30-8E3C-4D2BE6020583}" type="datetimeFigureOut">
-              <a:rPr lang="en-US" dirty="0"/>
-              <a:t>4/7/2019</a:t>
+              <a:rPr lang="en-US" smtClean="0"/>
+              <a:t>4/10/2019</a:t>
             </a:fld>
             <a:endParaRPr lang="en-US" dirty="0"/>
           </a:p>
@@ -842,7 +754,7 @@
           <a:lstStyle/>
           <a:p>
             <a:fld id="{69E57DC2-970A-4B3E-BB1C-7A09969E49DF}" type="slidenum">
-              <a:rPr lang="en-US" dirty="0"/>
+              <a:rPr lang="en-US" smtClean="0"/>
               <a:t>‹#›</a:t>
             </a:fld>
             <a:endParaRPr lang="en-US" dirty="0"/>
@@ -850,10 +762,20 @@
         </p:txBody>
       </p:sp>
     </p:spTree>
+    <p:extLst>
+      <p:ext uri="{BB962C8B-B14F-4D97-AF65-F5344CB8AC3E}">
+        <p14:creationId xmlns:p14="http://schemas.microsoft.com/office/powerpoint/2010/main" val="4042902206"/>
+      </p:ext>
+    </p:extLst>
   </p:cSld>
   <p:clrMapOvr>
     <a:masterClrMapping/>
   </p:clrMapOvr>
+  <p:extLst>
+    <p:ext uri="{DCECCB84-F9BA-43D5-87BE-67443E8EF086}">
+      <p15:sldGuideLst xmlns:p15="http://schemas.microsoft.com/office/powerpoint/2012/main"/>
+    </p:ext>
+  </p:extLst>
 </p:sldLayout>
 </file>
 
@@ -965,8 +887,8 @@
           <a:lstStyle/>
           <a:p>
             <a:fld id="{87DE6118-2437-4B30-8E3C-4D2BE6020583}" type="datetimeFigureOut">
-              <a:rPr lang="en-US" dirty="0"/>
-              <a:t>4/7/2019</a:t>
+              <a:rPr lang="en-US" smtClean="0"/>
+              <a:t>4/10/2019</a:t>
             </a:fld>
             <a:endParaRPr lang="en-US" dirty="0"/>
           </a:p>
@@ -1007,7 +929,7 @@
           <a:lstStyle/>
           <a:p>
             <a:fld id="{69E57DC2-970A-4B3E-BB1C-7A09969E49DF}" type="slidenum">
-              <a:rPr lang="en-US" dirty="0"/>
+              <a:rPr lang="en-US" smtClean="0"/>
               <a:t>‹#›</a:t>
             </a:fld>
             <a:endParaRPr lang="en-US" dirty="0"/>
@@ -1015,6 +937,11 @@
         </p:txBody>
       </p:sp>
     </p:spTree>
+    <p:extLst>
+      <p:ext uri="{BB962C8B-B14F-4D97-AF65-F5344CB8AC3E}">
+        <p14:creationId xmlns:p14="http://schemas.microsoft.com/office/powerpoint/2010/main" val="4275552321"/>
+      </p:ext>
+    </p:extLst>
   </p:cSld>
   <p:clrMapOvr>
     <a:masterClrMapping/>
@@ -1023,13 +950,8 @@
 </file>
 
 <file path=ppt/slideLayouts/slideLayout3.xml><?xml version="1.0" encoding="utf-8"?>
-<p:sldLayout xmlns:a="http://schemas.openxmlformats.org/drawingml/2006/main" xmlns:r="http://schemas.openxmlformats.org/officeDocument/2006/relationships" xmlns:p="http://schemas.openxmlformats.org/presentationml/2006/main" showMasterSp="0" type="secHead" preserve="1">
+<p:sldLayout xmlns:a="http://schemas.openxmlformats.org/drawingml/2006/main" xmlns:r="http://schemas.openxmlformats.org/officeDocument/2006/relationships" xmlns:p="http://schemas.openxmlformats.org/presentationml/2006/main" type="secHead" preserve="1">
   <p:cSld name="Section Header">
-    <p:bg>
-      <p:bgRef idx="1001">
-        <a:schemeClr val="bg2"/>
-      </p:bgRef>
-    </p:bg>
     <p:spTree>
       <p:nvGrpSpPr>
         <p:cNvPr id="1" name=""/>
@@ -1056,8 +978,8 @@
         </p:nvSpPr>
         <p:spPr>
           <a:xfrm>
-            <a:off x="765025" y="1301360"/>
-            <a:ext cx="9612971" cy="2852737"/>
+            <a:off x="1261872" y="758952"/>
+            <a:ext cx="9418320" cy="4041648"/>
           </a:xfrm>
         </p:spPr>
         <p:txBody>
@@ -1065,12 +987,11 @@
             <a:normAutofit/>
           </a:bodyPr>
           <a:lstStyle>
-            <a:lvl1pPr algn="r">
-              <a:defRPr sz="7200" cap="all" baseline="0">
-                <a:solidFill>
-                  <a:schemeClr val="tx2"/>
-                </a:solidFill>
-              </a:defRPr>
+            <a:lvl1pPr>
+              <a:lnSpc>
+                <a:spcPct val="85000"/>
+              </a:lnSpc>
+              <a:defRPr sz="7200" b="0"/>
             </a:lvl1pPr>
           </a:lstStyle>
           <a:p>
@@ -1094,33 +1015,29 @@
         </p:nvSpPr>
         <p:spPr>
           <a:xfrm>
-            <a:off x="765025" y="4216328"/>
-            <a:ext cx="9612971" cy="1143324"/>
+            <a:off x="1261872" y="4800600"/>
+            <a:ext cx="9418320" cy="1691640"/>
           </a:xfrm>
         </p:spPr>
         <p:txBody>
-          <a:bodyPr/>
+          <a:bodyPr anchor="t">
+            <a:normAutofit/>
+          </a:bodyPr>
           <a:lstStyle>
-            <a:lvl1pPr marL="0" indent="0" algn="r">
-              <a:lnSpc>
-                <a:spcPct val="112000"/>
-              </a:lnSpc>
-              <a:spcBef>
-                <a:spcPts val="0"/>
-              </a:spcBef>
-              <a:spcAft>
-                <a:spcPts val="0"/>
-              </a:spcAft>
+            <a:lvl1pPr marL="0" indent="0">
               <a:buNone/>
-              <a:defRPr sz="2400">
+              <a:defRPr sz="2200">
                 <a:solidFill>
-                  <a:schemeClr val="tx2"/>
+                  <a:schemeClr val="tx1">
+                    <a:lumMod val="65000"/>
+                    <a:lumOff val="35000"/>
+                  </a:schemeClr>
                 </a:solidFill>
               </a:defRPr>
             </a:lvl1pPr>
             <a:lvl2pPr marL="457200" indent="0">
               <a:buNone/>
-              <a:defRPr sz="2000">
+              <a:defRPr sz="1800">
                 <a:solidFill>
                   <a:schemeClr val="tx1">
                     <a:tint val="75000"/>
@@ -1130,7 +1047,7 @@
             </a:lvl2pPr>
             <a:lvl3pPr marL="914400" indent="0">
               <a:buNone/>
-              <a:defRPr sz="1800">
+              <a:defRPr sz="1600">
                 <a:solidFill>
                   <a:schemeClr val="tx1">
                     <a:tint val="75000"/>
@@ -1140,7 +1057,7 @@
             </a:lvl3pPr>
             <a:lvl4pPr marL="1371600" indent="0">
               <a:buNone/>
-              <a:defRPr sz="1600">
+              <a:defRPr sz="1400">
                 <a:solidFill>
                   <a:schemeClr val="tx1">
                     <a:tint val="75000"/>
@@ -1150,7 +1067,7 @@
             </a:lvl4pPr>
             <a:lvl5pPr marL="1828800" indent="0">
               <a:buNone/>
-              <a:defRPr sz="1600">
+              <a:defRPr sz="1400">
                 <a:solidFill>
                   <a:schemeClr val="tx1">
                     <a:tint val="75000"/>
@@ -1160,7 +1077,7 @@
             </a:lvl5pPr>
             <a:lvl6pPr marL="2286000" indent="0">
               <a:buNone/>
-              <a:defRPr sz="1600">
+              <a:defRPr sz="1400">
                 <a:solidFill>
                   <a:schemeClr val="tx1">
                     <a:tint val="75000"/>
@@ -1170,7 +1087,7 @@
             </a:lvl6pPr>
             <a:lvl7pPr marL="2743200" indent="0">
               <a:buNone/>
-              <a:defRPr sz="1600">
+              <a:defRPr sz="1400">
                 <a:solidFill>
                   <a:schemeClr val="tx1">
                     <a:tint val="75000"/>
@@ -1180,7 +1097,7 @@
             </a:lvl7pPr>
             <a:lvl8pPr marL="3200400" indent="0">
               <a:buNone/>
-              <a:defRPr sz="1600">
+              <a:defRPr sz="1400">
                 <a:solidFill>
                   <a:schemeClr val="tx1">
                     <a:tint val="75000"/>
@@ -1190,7 +1107,7 @@
             </a:lvl8pPr>
             <a:lvl9pPr marL="3657600" indent="0">
               <a:buNone/>
-              <a:defRPr sz="1600">
+              <a:defRPr sz="1400">
                 <a:solidFill>
                   <a:schemeClr val="tx1">
                     <a:tint val="75000"/>
@@ -1218,28 +1135,15 @@
             <p:ph type="dt" sz="half" idx="10"/>
           </p:nvPr>
         </p:nvSpPr>
-        <p:spPr>
-          <a:xfrm>
-            <a:off x="738908" y="6453386"/>
-            <a:ext cx="1622409" cy="404614"/>
-          </a:xfrm>
-        </p:spPr>
+        <p:spPr/>
         <p:txBody>
           <a:bodyPr/>
-          <a:lstStyle>
-            <a:lvl1pPr>
-              <a:defRPr>
-                <a:solidFill>
-                  <a:schemeClr val="tx2"/>
-                </a:solidFill>
-              </a:defRPr>
-            </a:lvl1pPr>
-          </a:lstStyle>
+          <a:lstStyle/>
           <a:p>
             <a:fld id="{87DE6118-2437-4B30-8E3C-4D2BE6020583}" type="datetimeFigureOut">
-              <a:rPr lang="en-US" dirty="0"/>
+              <a:rPr lang="en-US" smtClean="0"/>
               <a:pPr/>
-              <a:t>4/7/2019</a:t>
+              <a:t>4/10/2019</a:t>
             </a:fld>
             <a:endParaRPr lang="en-US" dirty="0"/>
           </a:p>
@@ -1255,23 +1159,10 @@
             <p:ph type="ftr" sz="quarter" idx="11"/>
           </p:nvPr>
         </p:nvSpPr>
-        <p:spPr>
-          <a:xfrm>
-            <a:off x="2584312" y="6453386"/>
-            <a:ext cx="7023377" cy="404614"/>
-          </a:xfrm>
-        </p:spPr>
+        <p:spPr/>
         <p:txBody>
           <a:bodyPr/>
-          <a:lstStyle>
-            <a:lvl1pPr algn="ctr">
-              <a:defRPr>
-                <a:solidFill>
-                  <a:schemeClr val="tx2"/>
-                </a:solidFill>
-              </a:defRPr>
-            </a:lvl1pPr>
-          </a:lstStyle>
+          <a:lstStyle/>
           <a:p>
             <a:endParaRPr lang="en-US" dirty="0"/>
           </a:p>
@@ -1287,26 +1178,13 @@
             <p:ph type="sldNum" sz="quarter" idx="12"/>
           </p:nvPr>
         </p:nvSpPr>
-        <p:spPr>
-          <a:xfrm>
-            <a:off x="9830683" y="6453386"/>
-            <a:ext cx="1596292" cy="404614"/>
-          </a:xfrm>
-        </p:spPr>
+        <p:spPr/>
         <p:txBody>
           <a:bodyPr/>
-          <a:lstStyle>
-            <a:lvl1pPr>
-              <a:defRPr>
-                <a:solidFill>
-                  <a:schemeClr val="tx2"/>
-                </a:solidFill>
-              </a:defRPr>
-            </a:lvl1pPr>
-          </a:lstStyle>
+          <a:lstStyle/>
           <a:p>
             <a:fld id="{69E57DC2-970A-4B3E-BB1C-7A09969E49DF}" type="slidenum">
-              <a:rPr lang="en-US" dirty="0"/>
+              <a:rPr lang="en-US" smtClean="0"/>
               <a:pPr/>
               <a:t>‹#›</a:t>
             </a:fld>
@@ -1316,65 +1194,57 @@
       </p:sp>
       <p:sp>
         <p:nvSpPr>
-          <p:cNvPr id="7" name="Freeform 6" title="Crop Mark"/>
+          <p:cNvPr id="7" name="Rectangle 6"/>
           <p:cNvSpPr/>
           <p:nvPr/>
         </p:nvSpPr>
-        <p:spPr bwMode="auto">
+        <p:spPr>
           <a:xfrm>
-            <a:off x="8151962" y="1685652"/>
-            <a:ext cx="3275013" cy="4408488"/>
+            <a:off x="0" y="0"/>
+            <a:ext cx="457200" cy="6858000"/>
           </a:xfrm>
-          <a:custGeom>
+          <a:prstGeom prst="rect">
             <a:avLst/>
-            <a:gdLst/>
-            <a:ahLst/>
-            <a:cxnLst/>
-            <a:rect l="0" t="0" r="r" b="b"/>
-            <a:pathLst>
-              <a:path w="4125" h="5554">
-                <a:moveTo>
-                  <a:pt x="3614" y="0"/>
-                </a:moveTo>
-                <a:lnTo>
-                  <a:pt x="4125" y="0"/>
-                </a:lnTo>
-                <a:lnTo>
-                  <a:pt x="4125" y="5554"/>
-                </a:lnTo>
-                <a:lnTo>
-                  <a:pt x="0" y="5554"/>
-                </a:lnTo>
-                <a:lnTo>
-                  <a:pt x="0" y="5074"/>
-                </a:lnTo>
-                <a:lnTo>
-                  <a:pt x="3614" y="5074"/>
-                </a:lnTo>
-                <a:lnTo>
-                  <a:pt x="3614" y="0"/>
-                </a:lnTo>
-                <a:close/>
-              </a:path>
-            </a:pathLst>
-          </a:custGeom>
+          </a:prstGeom>
           <a:solidFill>
-            <a:schemeClr val="tx2"/>
+            <a:schemeClr val="accent1"/>
           </a:solidFill>
-          <a:ln w="0">
+          <a:ln>
             <a:noFill/>
-            <a:prstDash val="solid"/>
-            <a:round/>
-            <a:headEnd/>
-            <a:tailEnd/>
           </a:ln>
         </p:spPr>
+        <p:style>
+          <a:lnRef idx="2">
+            <a:schemeClr val="accent1">
+              <a:shade val="50000"/>
+            </a:schemeClr>
+          </a:lnRef>
+          <a:fillRef idx="1">
+            <a:schemeClr val="accent1"/>
+          </a:fillRef>
+          <a:effectRef idx="0">
+            <a:schemeClr val="accent1"/>
+          </a:effectRef>
+          <a:fontRef idx="minor">
+            <a:schemeClr val="lt1"/>
+          </a:fontRef>
+        </p:style>
       </p:sp>
     </p:spTree>
+    <p:extLst>
+      <p:ext uri="{BB962C8B-B14F-4D97-AF65-F5344CB8AC3E}">
+        <p14:creationId xmlns:p14="http://schemas.microsoft.com/office/powerpoint/2010/main" val="3132776796"/>
+      </p:ext>
+    </p:extLst>
   </p:cSld>
   <p:clrMapOvr>
-    <a:overrideClrMapping bg1="dk1" tx1="lt1" bg2="dk2" tx2="lt2" accent1="accent1" accent2="accent2" accent3="accent3" accent4="accent4" accent5="accent5" accent6="accent6" hlink="hlink" folHlink="folHlink"/>
+    <a:masterClrMapping/>
   </p:clrMapOvr>
+  <p:extLst>
+    <p:ext uri="{DCECCB84-F9BA-43D5-87BE-67443E8EF086}">
+      <p15:sldGuideLst xmlns:p15="http://schemas.microsoft.com/office/powerpoint/2012/main"/>
+    </p:ext>
+  </p:extLst>
 </p:sldLayout>
 </file>
 
@@ -1408,15 +1278,7 @@
         <p:spPr/>
         <p:txBody>
           <a:bodyPr/>
-          <a:lstStyle>
-            <a:lvl1pPr>
-              <a:defRPr>
-                <a:solidFill>
-                  <a:schemeClr val="tx2"/>
-                </a:solidFill>
-              </a:defRPr>
-            </a:lvl1pPr>
-          </a:lstStyle>
+          <a:lstStyle/>
           <a:p>
             <a:r>
               <a:rPr lang="en-US" smtClean="0"/>
@@ -1438,48 +1300,40 @@
         </p:nvSpPr>
         <p:spPr>
           <a:xfrm>
-            <a:off x="1371600" y="2285999"/>
-            <a:ext cx="4447786" cy="3581401"/>
+            <a:off x="1261872" y="1828800"/>
+            <a:ext cx="4480560" cy="4351337"/>
           </a:xfrm>
         </p:spPr>
         <p:txBody>
           <a:bodyPr/>
           <a:lstStyle>
             <a:lvl1pPr>
-              <a:defRPr baseline="0">
-                <a:solidFill>
-                  <a:schemeClr val="tx2"/>
-                </a:solidFill>
-              </a:defRPr>
+              <a:defRPr sz="1800"/>
             </a:lvl1pPr>
             <a:lvl2pPr>
-              <a:defRPr baseline="0">
-                <a:solidFill>
-                  <a:schemeClr val="tx2"/>
-                </a:solidFill>
-              </a:defRPr>
+              <a:defRPr sz="1600"/>
             </a:lvl2pPr>
             <a:lvl3pPr>
-              <a:defRPr baseline="0">
-                <a:solidFill>
-                  <a:schemeClr val="tx2"/>
-                </a:solidFill>
-              </a:defRPr>
+              <a:defRPr sz="1400"/>
             </a:lvl3pPr>
             <a:lvl4pPr>
-              <a:defRPr baseline="0">
-                <a:solidFill>
-                  <a:schemeClr val="tx2"/>
-                </a:solidFill>
-              </a:defRPr>
+              <a:defRPr sz="1400"/>
             </a:lvl4pPr>
             <a:lvl5pPr>
-              <a:defRPr baseline="0">
-                <a:solidFill>
-                  <a:schemeClr val="tx2"/>
-                </a:solidFill>
-              </a:defRPr>
+              <a:defRPr sz="1400"/>
             </a:lvl5pPr>
+            <a:lvl6pPr>
+              <a:defRPr sz="1400"/>
+            </a:lvl6pPr>
+            <a:lvl7pPr>
+              <a:defRPr sz="1400"/>
+            </a:lvl7pPr>
+            <a:lvl8pPr>
+              <a:defRPr sz="1400"/>
+            </a:lvl8pPr>
+            <a:lvl9pPr>
+              <a:defRPr sz="1400"/>
+            </a:lvl9pPr>
           </a:lstStyle>
           <a:p>
             <a:pPr lvl="0"/>
@@ -1531,48 +1385,40 @@
         </p:nvSpPr>
         <p:spPr>
           <a:xfrm>
-            <a:off x="6525403" y="2285999"/>
-            <a:ext cx="4447786" cy="3581401"/>
+            <a:off x="6126480" y="1828800"/>
+            <a:ext cx="4480560" cy="4351337"/>
           </a:xfrm>
         </p:spPr>
         <p:txBody>
           <a:bodyPr/>
           <a:lstStyle>
             <a:lvl1pPr>
-              <a:defRPr>
-                <a:solidFill>
-                  <a:schemeClr val="tx2"/>
-                </a:solidFill>
-              </a:defRPr>
+              <a:defRPr sz="1800"/>
             </a:lvl1pPr>
             <a:lvl2pPr>
-              <a:defRPr>
-                <a:solidFill>
-                  <a:schemeClr val="tx2"/>
-                </a:solidFill>
-              </a:defRPr>
+              <a:defRPr sz="1600"/>
             </a:lvl2pPr>
             <a:lvl3pPr>
-              <a:defRPr>
-                <a:solidFill>
-                  <a:schemeClr val="tx2"/>
-                </a:solidFill>
-              </a:defRPr>
+              <a:defRPr sz="1400"/>
             </a:lvl3pPr>
             <a:lvl4pPr>
-              <a:defRPr>
-                <a:solidFill>
-                  <a:schemeClr val="tx2"/>
-                </a:solidFill>
-              </a:defRPr>
+              <a:defRPr sz="1400"/>
             </a:lvl4pPr>
             <a:lvl5pPr>
-              <a:defRPr>
-                <a:solidFill>
-                  <a:schemeClr val="tx2"/>
-                </a:solidFill>
-              </a:defRPr>
+              <a:defRPr sz="1400"/>
             </a:lvl5pPr>
+            <a:lvl6pPr>
+              <a:defRPr sz="1400"/>
+            </a:lvl6pPr>
+            <a:lvl7pPr>
+              <a:defRPr sz="1400"/>
+            </a:lvl7pPr>
+            <a:lvl8pPr>
+              <a:defRPr sz="1400"/>
+            </a:lvl8pPr>
+            <a:lvl9pPr>
+              <a:defRPr sz="1400"/>
+            </a:lvl9pPr>
           </a:lstStyle>
           <a:p>
             <a:pPr lvl="0"/>
@@ -1628,8 +1474,8 @@
           <a:lstStyle/>
           <a:p>
             <a:fld id="{87DE6118-2437-4B30-8E3C-4D2BE6020583}" type="datetimeFigureOut">
-              <a:rPr lang="en-US" dirty="0"/>
-              <a:t>4/7/2019</a:t>
+              <a:rPr lang="en-US" smtClean="0"/>
+              <a:t>4/10/2019</a:t>
             </a:fld>
             <a:endParaRPr lang="en-US" dirty="0"/>
           </a:p>
@@ -1670,7 +1516,7 @@
           <a:lstStyle/>
           <a:p>
             <a:fld id="{69E57DC2-970A-4B3E-BB1C-7A09969E49DF}" type="slidenum">
-              <a:rPr lang="en-US" dirty="0"/>
+              <a:rPr lang="en-US" smtClean="0"/>
               <a:t>‹#›</a:t>
             </a:fld>
             <a:endParaRPr lang="en-US" dirty="0"/>
@@ -1678,6 +1524,11 @@
         </p:txBody>
       </p:sp>
     </p:spTree>
+    <p:extLst>
+      <p:ext uri="{BB962C8B-B14F-4D97-AF65-F5344CB8AC3E}">
+        <p14:creationId xmlns:p14="http://schemas.microsoft.com/office/powerpoint/2010/main" val="1907485583"/>
+      </p:ext>
+    </p:extLst>
   </p:cSld>
   <p:clrMapOvr>
     <a:masterClrMapping/>
@@ -1704,73 +1555,54 @@
       </p:grpSpPr>
       <p:sp>
         <p:nvSpPr>
-          <p:cNvPr id="2" name="Title 1"/>
+          <p:cNvPr id="10" name="Title 9"/>
           <p:cNvSpPr>
             <a:spLocks noGrp="1"/>
           </p:cNvSpPr>
           <p:nvPr>
             <p:ph type="title"/>
+          </p:nvPr>
+        </p:nvSpPr>
+        <p:spPr/>
+        <p:txBody>
+          <a:bodyPr/>
+          <a:lstStyle/>
+          <a:p>
+            <a:r>
+              <a:rPr lang="en-US" smtClean="0"/>
+              <a:t>Click to edit Master title style</a:t>
+            </a:r>
+            <a:endParaRPr lang="en-US" dirty="0"/>
+          </a:p>
+        </p:txBody>
+      </p:sp>
+      <p:sp>
+        <p:nvSpPr>
+          <p:cNvPr id="3" name="Text Placeholder 2"/>
+          <p:cNvSpPr>
+            <a:spLocks noGrp="1"/>
+          </p:cNvSpPr>
+          <p:nvPr>
+            <p:ph type="body" idx="1"/>
           </p:nvPr>
         </p:nvSpPr>
         <p:spPr>
           <a:xfrm>
-            <a:off x="1371600" y="685800"/>
-            <a:ext cx="9601200" cy="1485900"/>
+            <a:off x="1261872" y="1713655"/>
+            <a:ext cx="4480560" cy="731520"/>
           </a:xfrm>
         </p:spPr>
         <p:txBody>
-          <a:bodyPr/>
-          <a:lstStyle>
-            <a:lvl1pPr>
-              <a:defRPr>
-                <a:solidFill>
-                  <a:schemeClr val="tx2"/>
-                </a:solidFill>
-              </a:defRPr>
-            </a:lvl1pPr>
-          </a:lstStyle>
-          <a:p>
-            <a:r>
-              <a:rPr lang="en-US" smtClean="0"/>
-              <a:t>Click to edit Master title style</a:t>
-            </a:r>
-            <a:endParaRPr lang="en-US" dirty="0"/>
-          </a:p>
-        </p:txBody>
-      </p:sp>
-      <p:sp>
-        <p:nvSpPr>
-          <p:cNvPr id="3" name="Text Placeholder 2"/>
-          <p:cNvSpPr>
-            <a:spLocks noGrp="1"/>
-          </p:cNvSpPr>
-          <p:nvPr>
-            <p:ph type="body" idx="1"/>
-          </p:nvPr>
-        </p:nvSpPr>
-        <p:spPr>
-          <a:xfrm>
-            <a:off x="1371600" y="2340864"/>
-            <a:ext cx="4443984" cy="823912"/>
-          </a:xfrm>
-        </p:spPr>
-        <p:txBody>
           <a:bodyPr anchor="b">
-            <a:noAutofit/>
+            <a:normAutofit/>
           </a:bodyPr>
           <a:lstStyle>
             <a:lvl1pPr marL="0" indent="0">
-              <a:lnSpc>
-                <a:spcPct val="84000"/>
-              </a:lnSpc>
               <a:spcBef>
                 <a:spcPts val="0"/>
               </a:spcBef>
-              <a:spcAft>
-                <a:spcPts val="0"/>
-              </a:spcAft>
               <a:buNone/>
-              <a:defRPr sz="3000" b="0" baseline="0">
+              <a:defRPr sz="2000" b="0">
                 <a:solidFill>
                   <a:schemeClr val="tx2"/>
                 </a:solidFill>
@@ -1830,48 +1662,40 @@
         </p:nvSpPr>
         <p:spPr>
           <a:xfrm>
-            <a:off x="1371600" y="3305207"/>
-            <a:ext cx="4443984" cy="2562193"/>
+            <a:off x="1261872" y="2507550"/>
+            <a:ext cx="4480560" cy="3664650"/>
           </a:xfrm>
         </p:spPr>
         <p:txBody>
           <a:bodyPr/>
           <a:lstStyle>
             <a:lvl1pPr>
-              <a:defRPr baseline="0">
-                <a:solidFill>
-                  <a:schemeClr val="tx2"/>
-                </a:solidFill>
-              </a:defRPr>
+              <a:defRPr sz="1800"/>
             </a:lvl1pPr>
             <a:lvl2pPr>
-              <a:defRPr baseline="0">
-                <a:solidFill>
-                  <a:schemeClr val="tx2"/>
-                </a:solidFill>
-              </a:defRPr>
+              <a:defRPr sz="1600"/>
             </a:lvl2pPr>
             <a:lvl3pPr>
-              <a:defRPr baseline="0">
-                <a:solidFill>
-                  <a:schemeClr val="tx2"/>
-                </a:solidFill>
-              </a:defRPr>
+              <a:defRPr sz="1400"/>
             </a:lvl3pPr>
             <a:lvl4pPr>
-              <a:defRPr baseline="0">
-                <a:solidFill>
-                  <a:schemeClr val="tx2"/>
-                </a:solidFill>
-              </a:defRPr>
+              <a:defRPr sz="1400"/>
             </a:lvl4pPr>
             <a:lvl5pPr>
-              <a:defRPr baseline="0">
-                <a:solidFill>
-                  <a:schemeClr val="tx2"/>
-                </a:solidFill>
-              </a:defRPr>
+              <a:defRPr sz="1400"/>
             </a:lvl5pPr>
+            <a:lvl6pPr>
+              <a:defRPr sz="1400"/>
+            </a:lvl6pPr>
+            <a:lvl7pPr>
+              <a:defRPr sz="1400"/>
+            </a:lvl7pPr>
+            <a:lvl8pPr>
+              <a:defRPr sz="1400"/>
+            </a:lvl8pPr>
+            <a:lvl9pPr>
+              <a:defRPr sz="1400"/>
+            </a:lvl9pPr>
           </a:lstStyle>
           <a:p>
             <a:pPr lvl="0"/>
@@ -1923,30 +1747,30 @@
         </p:nvSpPr>
         <p:spPr>
           <a:xfrm>
-            <a:off x="6525014" y="2340864"/>
-            <a:ext cx="4443984" cy="823912"/>
+            <a:off x="6126480" y="1713655"/>
+            <a:ext cx="4480560" cy="731520"/>
           </a:xfrm>
         </p:spPr>
         <p:txBody>
           <a:bodyPr anchor="b">
-            <a:noAutofit/>
+            <a:normAutofit/>
           </a:bodyPr>
           <a:lstStyle>
             <a:lvl1pPr marL="0" indent="0">
               <a:lnSpc>
-                <a:spcPct val="84000"/>
+                <a:spcPct val="95000"/>
               </a:lnSpc>
               <a:spcBef>
                 <a:spcPts val="0"/>
               </a:spcBef>
-              <a:spcAft>
-                <a:spcPts val="0"/>
-              </a:spcAft>
               <a:buNone/>
-              <a:defRPr sz="3000" b="0" baseline="0">
+              <a:defRPr lang="en-US" sz="2000" b="0" kern="1200" dirty="0">
                 <a:solidFill>
                   <a:schemeClr val="tx2"/>
                 </a:solidFill>
+                <a:latin typeface="+mn-lt"/>
+                <a:ea typeface="+mn-ea"/>
+                <a:cs typeface="+mn-cs"/>
               </a:defRPr>
             </a:lvl1pPr>
             <a:lvl2pPr marL="457200" indent="0">
@@ -1983,7 +1807,16 @@
             </a:lvl9pPr>
           </a:lstStyle>
           <a:p>
-            <a:pPr lvl="0"/>
+            <a:pPr marL="0" lvl="0" indent="0" algn="l" defTabSz="914400" rtl="0" eaLnBrk="1" latinLnBrk="0" hangingPunct="1">
+              <a:lnSpc>
+                <a:spcPct val="90000"/>
+              </a:lnSpc>
+              <a:spcBef>
+                <a:spcPts val="2000"/>
+              </a:spcBef>
+              <a:buFontTx/>
+              <a:buNone/>
+            </a:pPr>
             <a:r>
               <a:rPr lang="en-US" smtClean="0"/>
               <a:t>Click to edit Master text styles</a:t>
@@ -2003,48 +1836,40 @@
         </p:nvSpPr>
         <p:spPr>
           <a:xfrm>
-            <a:off x="6525014" y="3305207"/>
-            <a:ext cx="4443984" cy="2562193"/>
+            <a:off x="6126480" y="2507550"/>
+            <a:ext cx="4480560" cy="3664650"/>
           </a:xfrm>
         </p:spPr>
         <p:txBody>
           <a:bodyPr/>
           <a:lstStyle>
             <a:lvl1pPr>
-              <a:defRPr baseline="0">
-                <a:solidFill>
-                  <a:schemeClr val="tx2"/>
-                </a:solidFill>
-              </a:defRPr>
+              <a:defRPr sz="1800"/>
             </a:lvl1pPr>
             <a:lvl2pPr>
-              <a:defRPr baseline="0">
-                <a:solidFill>
-                  <a:schemeClr val="tx2"/>
-                </a:solidFill>
-              </a:defRPr>
+              <a:defRPr sz="1600"/>
             </a:lvl2pPr>
             <a:lvl3pPr>
-              <a:defRPr baseline="0">
-                <a:solidFill>
-                  <a:schemeClr val="tx2"/>
-                </a:solidFill>
-              </a:defRPr>
+              <a:defRPr sz="1400"/>
             </a:lvl3pPr>
             <a:lvl4pPr>
-              <a:defRPr baseline="0">
-                <a:solidFill>
-                  <a:schemeClr val="tx2"/>
-                </a:solidFill>
-              </a:defRPr>
+              <a:defRPr sz="1400"/>
             </a:lvl4pPr>
             <a:lvl5pPr>
-              <a:defRPr baseline="0">
-                <a:solidFill>
-                  <a:schemeClr val="tx2"/>
-                </a:solidFill>
-              </a:defRPr>
+              <a:defRPr sz="1400"/>
             </a:lvl5pPr>
+            <a:lvl6pPr>
+              <a:defRPr sz="1400"/>
+            </a:lvl6pPr>
+            <a:lvl7pPr>
+              <a:defRPr sz="1400"/>
+            </a:lvl7pPr>
+            <a:lvl8pPr>
+              <a:defRPr sz="1400"/>
+            </a:lvl8pPr>
+            <a:lvl9pPr>
+              <a:defRPr sz="1400"/>
+            </a:lvl9pPr>
           </a:lstStyle>
           <a:p>
             <a:pPr lvl="0"/>
@@ -2100,8 +1925,8 @@
           <a:lstStyle/>
           <a:p>
             <a:fld id="{87DE6118-2437-4B30-8E3C-4D2BE6020583}" type="datetimeFigureOut">
-              <a:rPr lang="en-US" dirty="0"/>
-              <a:t>4/7/2019</a:t>
+              <a:rPr lang="en-US" smtClean="0"/>
+              <a:t>4/10/2019</a:t>
             </a:fld>
             <a:endParaRPr lang="en-US" dirty="0"/>
           </a:p>
@@ -2142,7 +1967,7 @@
           <a:lstStyle/>
           <a:p>
             <a:fld id="{69E57DC2-970A-4B3E-BB1C-7A09969E49DF}" type="slidenum">
-              <a:rPr lang="en-US" dirty="0"/>
+              <a:rPr lang="en-US" smtClean="0"/>
               <a:t>‹#›</a:t>
             </a:fld>
             <a:endParaRPr lang="en-US" dirty="0"/>
@@ -2150,6 +1975,11 @@
         </p:txBody>
       </p:sp>
     </p:spTree>
+    <p:extLst>
+      <p:ext uri="{BB962C8B-B14F-4D97-AF65-F5344CB8AC3E}">
+        <p14:creationId xmlns:p14="http://schemas.microsoft.com/office/powerpoint/2010/main" val="1923653674"/>
+      </p:ext>
+    </p:extLst>
   </p:cSld>
   <p:clrMapOvr>
     <a:masterClrMapping/>
@@ -2176,7 +2006,7 @@
       </p:grpSpPr>
       <p:sp>
         <p:nvSpPr>
-          <p:cNvPr id="2" name="Title 1"/>
+          <p:cNvPr id="6" name="Title 5"/>
           <p:cNvSpPr>
             <a:spLocks noGrp="1"/>
           </p:cNvSpPr>
@@ -2213,8 +2043,8 @@
           <a:lstStyle/>
           <a:p>
             <a:fld id="{87DE6118-2437-4B30-8E3C-4D2BE6020583}" type="datetimeFigureOut">
-              <a:rPr lang="en-US" dirty="0"/>
-              <a:t>4/7/2019</a:t>
+              <a:rPr lang="en-US" smtClean="0"/>
+              <a:t>4/10/2019</a:t>
             </a:fld>
             <a:endParaRPr lang="en-US" dirty="0"/>
           </a:p>
@@ -2255,7 +2085,7 @@
           <a:lstStyle/>
           <a:p>
             <a:fld id="{69E57DC2-970A-4B3E-BB1C-7A09969E49DF}" type="slidenum">
-              <a:rPr lang="en-US" dirty="0"/>
+              <a:rPr lang="en-US" smtClean="0"/>
               <a:t>‹#›</a:t>
             </a:fld>
             <a:endParaRPr lang="en-US" dirty="0"/>
@@ -2263,6 +2093,11 @@
         </p:txBody>
       </p:sp>
     </p:spTree>
+    <p:extLst>
+      <p:ext uri="{BB962C8B-B14F-4D97-AF65-F5344CB8AC3E}">
+        <p14:creationId xmlns:p14="http://schemas.microsoft.com/office/powerpoint/2010/main" val="2975611468"/>
+      </p:ext>
+    </p:extLst>
   </p:cSld>
   <p:clrMapOvr>
     <a:masterClrMapping/>
@@ -2303,8 +2138,8 @@
           <a:lstStyle/>
           <a:p>
             <a:fld id="{87DE6118-2437-4B30-8E3C-4D2BE6020583}" type="datetimeFigureOut">
-              <a:rPr lang="en-US" dirty="0"/>
-              <a:t>4/7/2019</a:t>
+              <a:rPr lang="en-US" smtClean="0"/>
+              <a:t>4/10/2019</a:t>
             </a:fld>
             <a:endParaRPr lang="en-US" dirty="0"/>
           </a:p>
@@ -2345,7 +2180,7 @@
           <a:lstStyle/>
           <a:p>
             <a:fld id="{69E57DC2-970A-4B3E-BB1C-7A09969E49DF}" type="slidenum">
-              <a:rPr lang="en-US" dirty="0"/>
+              <a:rPr lang="en-US" smtClean="0"/>
               <a:t>‹#›</a:t>
             </a:fld>
             <a:endParaRPr lang="en-US" dirty="0"/>
@@ -2353,6 +2188,11 @@
         </p:txBody>
       </p:sp>
     </p:spTree>
+    <p:extLst>
+      <p:ext uri="{BB962C8B-B14F-4D97-AF65-F5344CB8AC3E}">
+        <p14:creationId xmlns:p14="http://schemas.microsoft.com/office/powerpoint/2010/main" val="1015340668"/>
+      </p:ext>
+    </p:extLst>
   </p:cSld>
   <p:clrMapOvr>
     <a:masterClrMapping/>
@@ -2361,7 +2201,7 @@
 </file>
 
 <file path=ppt/slideLayouts/slideLayout8.xml><?xml version="1.0" encoding="utf-8"?>
-<p:sldLayout xmlns:a="http://schemas.openxmlformats.org/drawingml/2006/main" xmlns:r="http://schemas.openxmlformats.org/officeDocument/2006/relationships" xmlns:p="http://schemas.openxmlformats.org/presentationml/2006/main" showMasterSp="0" type="objTx" preserve="1">
+<p:sldLayout xmlns:a="http://schemas.openxmlformats.org/drawingml/2006/main" xmlns:r="http://schemas.openxmlformats.org/officeDocument/2006/relationships" xmlns:p="http://schemas.openxmlformats.org/presentationml/2006/main" type="objTx" preserve="1">
   <p:cSld name="Content with Caption">
     <p:spTree>
       <p:nvGrpSpPr>
@@ -2379,20 +2219,309 @@
       </p:grpSpPr>
       <p:sp>
         <p:nvSpPr>
-          <p:cNvPr id="8" name="Rectangle 7" title="Background Shape"/>
+          <p:cNvPr id="2" name="Title 1"/>
+          <p:cNvSpPr>
+            <a:spLocks noGrp="1"/>
+          </p:cNvSpPr>
+          <p:nvPr>
+            <p:ph type="title"/>
+          </p:nvPr>
+        </p:nvSpPr>
+        <p:spPr>
+          <a:xfrm>
+            <a:off x="841248" y="457200"/>
+            <a:ext cx="3200400" cy="1600197"/>
+          </a:xfrm>
+        </p:spPr>
+        <p:txBody>
+          <a:bodyPr anchor="b">
+            <a:normAutofit/>
+          </a:bodyPr>
+          <a:lstStyle>
+            <a:lvl1pPr>
+              <a:defRPr sz="3200" b="0" baseline="0"/>
+            </a:lvl1pPr>
+          </a:lstStyle>
+          <a:p>
+            <a:r>
+              <a:rPr lang="en-US" smtClean="0"/>
+              <a:t>Click to edit Master title style</a:t>
+            </a:r>
+            <a:endParaRPr lang="en-US" dirty="0"/>
+          </a:p>
+        </p:txBody>
+      </p:sp>
+      <p:sp>
+        <p:nvSpPr>
+          <p:cNvPr id="3" name="Content Placeholder 2"/>
+          <p:cNvSpPr>
+            <a:spLocks noGrp="1"/>
+          </p:cNvSpPr>
+          <p:nvPr>
+            <p:ph idx="1"/>
+          </p:nvPr>
+        </p:nvSpPr>
+        <p:spPr>
+          <a:xfrm>
+            <a:off x="4504267" y="685800"/>
+            <a:ext cx="6079066" cy="5486400"/>
+          </a:xfrm>
+        </p:spPr>
+        <p:txBody>
+          <a:bodyPr/>
+          <a:lstStyle>
+            <a:lvl1pPr>
+              <a:defRPr sz="2000"/>
+            </a:lvl1pPr>
+            <a:lvl2pPr>
+              <a:defRPr sz="1800"/>
+            </a:lvl2pPr>
+            <a:lvl3pPr>
+              <a:defRPr sz="1600"/>
+            </a:lvl3pPr>
+            <a:lvl4pPr>
+              <a:defRPr sz="1400"/>
+            </a:lvl4pPr>
+            <a:lvl5pPr>
+              <a:defRPr sz="1400"/>
+            </a:lvl5pPr>
+            <a:lvl6pPr>
+              <a:defRPr sz="1400"/>
+            </a:lvl6pPr>
+            <a:lvl7pPr>
+              <a:defRPr sz="1400"/>
+            </a:lvl7pPr>
+            <a:lvl8pPr>
+              <a:defRPr sz="1400"/>
+            </a:lvl8pPr>
+            <a:lvl9pPr>
+              <a:defRPr sz="1400"/>
+            </a:lvl9pPr>
+          </a:lstStyle>
+          <a:p>
+            <a:pPr lvl="0"/>
+            <a:r>
+              <a:rPr lang="en-US" smtClean="0"/>
+              <a:t>Click to edit Master text styles</a:t>
+            </a:r>
+          </a:p>
+          <a:p>
+            <a:pPr lvl="1"/>
+            <a:r>
+              <a:rPr lang="en-US" smtClean="0"/>
+              <a:t>Second level</a:t>
+            </a:r>
+          </a:p>
+          <a:p>
+            <a:pPr lvl="2"/>
+            <a:r>
+              <a:rPr lang="en-US" smtClean="0"/>
+              <a:t>Third level</a:t>
+            </a:r>
+          </a:p>
+          <a:p>
+            <a:pPr lvl="3"/>
+            <a:r>
+              <a:rPr lang="en-US" smtClean="0"/>
+              <a:t>Fourth level</a:t>
+            </a:r>
+          </a:p>
+          <a:p>
+            <a:pPr lvl="4"/>
+            <a:r>
+              <a:rPr lang="en-US" smtClean="0"/>
+              <a:t>Fifth level</a:t>
+            </a:r>
+            <a:endParaRPr lang="en-US" dirty="0"/>
+          </a:p>
+        </p:txBody>
+      </p:sp>
+      <p:sp>
+        <p:nvSpPr>
+          <p:cNvPr id="4" name="Text Placeholder 3"/>
+          <p:cNvSpPr>
+            <a:spLocks noGrp="1"/>
+          </p:cNvSpPr>
+          <p:nvPr>
+            <p:ph type="body" sz="half" idx="2"/>
+          </p:nvPr>
+        </p:nvSpPr>
+        <p:spPr>
+          <a:xfrm>
+            <a:off x="841248" y="2099734"/>
+            <a:ext cx="3200400" cy="3810001"/>
+          </a:xfrm>
+        </p:spPr>
+        <p:txBody>
+          <a:bodyPr>
+            <a:normAutofit/>
+          </a:bodyPr>
+          <a:lstStyle>
+            <a:lvl1pPr marL="0" indent="0">
+              <a:lnSpc>
+                <a:spcPct val="114000"/>
+              </a:lnSpc>
+              <a:spcBef>
+                <a:spcPts val="800"/>
+              </a:spcBef>
+              <a:buNone/>
+              <a:defRPr sz="1300"/>
+            </a:lvl1pPr>
+            <a:lvl2pPr marL="457200" indent="0">
+              <a:buNone/>
+              <a:defRPr sz="1200"/>
+            </a:lvl2pPr>
+            <a:lvl3pPr marL="914400" indent="0">
+              <a:buNone/>
+              <a:defRPr sz="1000"/>
+            </a:lvl3pPr>
+            <a:lvl4pPr marL="1371600" indent="0">
+              <a:buNone/>
+              <a:defRPr sz="900"/>
+            </a:lvl4pPr>
+            <a:lvl5pPr marL="1828800" indent="0">
+              <a:buNone/>
+              <a:defRPr sz="900"/>
+            </a:lvl5pPr>
+            <a:lvl6pPr marL="2286000" indent="0">
+              <a:buNone/>
+              <a:defRPr sz="900"/>
+            </a:lvl6pPr>
+            <a:lvl7pPr marL="2743200" indent="0">
+              <a:buNone/>
+              <a:defRPr sz="900"/>
+            </a:lvl7pPr>
+            <a:lvl8pPr marL="3200400" indent="0">
+              <a:buNone/>
+              <a:defRPr sz="900"/>
+            </a:lvl8pPr>
+            <a:lvl9pPr marL="3657600" indent="0">
+              <a:buNone/>
+              <a:defRPr sz="900"/>
+            </a:lvl9pPr>
+          </a:lstStyle>
+          <a:p>
+            <a:pPr lvl="0"/>
+            <a:r>
+              <a:rPr lang="en-US" smtClean="0"/>
+              <a:t>Click to edit Master text styles</a:t>
+            </a:r>
+          </a:p>
+        </p:txBody>
+      </p:sp>
+      <p:sp>
+        <p:nvSpPr>
+          <p:cNvPr id="5" name="Date Placeholder 4"/>
+          <p:cNvSpPr>
+            <a:spLocks noGrp="1"/>
+          </p:cNvSpPr>
+          <p:nvPr>
+            <p:ph type="dt" sz="half" idx="10"/>
+          </p:nvPr>
+        </p:nvSpPr>
+        <p:spPr/>
+        <p:txBody>
+          <a:bodyPr/>
+          <a:lstStyle/>
+          <a:p>
+            <a:fld id="{87DE6118-2437-4B30-8E3C-4D2BE6020583}" type="datetimeFigureOut">
+              <a:rPr lang="en-US" smtClean="0"/>
+              <a:pPr/>
+              <a:t>4/10/2019</a:t>
+            </a:fld>
+            <a:endParaRPr lang="en-US" dirty="0"/>
+          </a:p>
+        </p:txBody>
+      </p:sp>
+      <p:sp>
+        <p:nvSpPr>
+          <p:cNvPr id="6" name="Footer Placeholder 5"/>
+          <p:cNvSpPr>
+            <a:spLocks noGrp="1"/>
+          </p:cNvSpPr>
+          <p:nvPr>
+            <p:ph type="ftr" sz="quarter" idx="11"/>
+          </p:nvPr>
+        </p:nvSpPr>
+        <p:spPr/>
+        <p:txBody>
+          <a:bodyPr/>
+          <a:lstStyle/>
+          <a:p>
+            <a:endParaRPr lang="en-US" dirty="0"/>
+          </a:p>
+        </p:txBody>
+      </p:sp>
+      <p:sp>
+        <p:nvSpPr>
+          <p:cNvPr id="7" name="Slide Number Placeholder 6"/>
+          <p:cNvSpPr>
+            <a:spLocks noGrp="1"/>
+          </p:cNvSpPr>
+          <p:nvPr>
+            <p:ph type="sldNum" sz="quarter" idx="12"/>
+          </p:nvPr>
+        </p:nvSpPr>
+        <p:spPr/>
+        <p:txBody>
+          <a:bodyPr/>
+          <a:lstStyle/>
+          <a:p>
+            <a:fld id="{69E57DC2-970A-4B3E-BB1C-7A09969E49DF}" type="slidenum">
+              <a:rPr lang="en-US" smtClean="0"/>
+              <a:pPr/>
+              <a:t>‹#›</a:t>
+            </a:fld>
+            <a:endParaRPr lang="en-US" dirty="0"/>
+          </a:p>
+        </p:txBody>
+      </p:sp>
+    </p:spTree>
+    <p:extLst>
+      <p:ext uri="{BB962C8B-B14F-4D97-AF65-F5344CB8AC3E}">
+        <p14:creationId xmlns:p14="http://schemas.microsoft.com/office/powerpoint/2010/main" val="2565382694"/>
+      </p:ext>
+    </p:extLst>
+  </p:cSld>
+  <p:clrMapOvr>
+    <a:masterClrMapping/>
+  </p:clrMapOvr>
+</p:sldLayout>
+</file>
+
+<file path=ppt/slideLayouts/slideLayout9.xml><?xml version="1.0" encoding="utf-8"?>
+<p:sldLayout xmlns:a="http://schemas.openxmlformats.org/drawingml/2006/main" xmlns:r="http://schemas.openxmlformats.org/officeDocument/2006/relationships" xmlns:p="http://schemas.openxmlformats.org/presentationml/2006/main" type="picTx" preserve="1">
+  <p:cSld name="Picture with Caption">
+    <p:spTree>
+      <p:nvGrpSpPr>
+        <p:cNvPr id="1" name=""/>
+        <p:cNvGrpSpPr/>
+        <p:nvPr/>
+      </p:nvGrpSpPr>
+      <p:grpSpPr>
+        <a:xfrm>
+          <a:off x="0" y="0"/>
+          <a:ext cx="0" cy="0"/>
+          <a:chOff x="0" y="0"/>
+          <a:chExt cx="0" cy="0"/>
+        </a:xfrm>
+      </p:grpSpPr>
+      <p:sp>
+        <p:nvSpPr>
+          <p:cNvPr id="8" name="Rectangle 7"/>
           <p:cNvSpPr/>
           <p:nvPr/>
         </p:nvSpPr>
         <p:spPr>
           <a:xfrm>
-            <a:off x="0" y="376"/>
-            <a:ext cx="5303520" cy="6857624"/>
+            <a:off x="0" y="5105400"/>
+            <a:ext cx="11292840" cy="1752600"/>
           </a:xfrm>
           <a:prstGeom prst="rect">
             <a:avLst/>
           </a:prstGeom>
           <a:solidFill>
-            <a:schemeClr val="accent1"/>
+            <a:srgbClr val="000000"/>
           </a:solidFill>
           <a:ln>
             <a:noFill/>
@@ -2427,22 +2556,19 @@
         </p:nvSpPr>
         <p:spPr>
           <a:xfrm>
-            <a:off x="723900" y="685800"/>
-            <a:ext cx="3855720" cy="2157884"/>
+            <a:off x="914400" y="5257800"/>
+            <a:ext cx="9982200" cy="914400"/>
           </a:xfrm>
         </p:spPr>
         <p:txBody>
-          <a:bodyPr anchor="t">
-            <a:noAutofit/>
+          <a:bodyPr anchor="b">
+            <a:normAutofit/>
           </a:bodyPr>
           <a:lstStyle>
             <a:lvl1pPr>
-              <a:lnSpc>
-                <a:spcPct val="84000"/>
-              </a:lnSpc>
-              <a:defRPr sz="4800" baseline="0">
+              <a:defRPr sz="2800" b="0">
                 <a:solidFill>
-                  <a:schemeClr val="tx2"/>
+                  <a:schemeClr val="bg1"/>
                 </a:solidFill>
               </a:defRPr>
             </a:lvl1pPr>
@@ -2458,439 +2584,41 @@
       </p:sp>
       <p:sp>
         <p:nvSpPr>
-          <p:cNvPr id="3" name="Content Placeholder 2"/>
-          <p:cNvSpPr>
-            <a:spLocks noGrp="1"/>
-          </p:cNvSpPr>
-          <p:nvPr>
-            <p:ph idx="1"/>
+          <p:cNvPr id="3" name="Picture Placeholder 2"/>
+          <p:cNvSpPr>
+            <a:spLocks noGrp="1" noChangeAspect="1"/>
+          </p:cNvSpPr>
+          <p:nvPr>
+            <p:ph type="pic" idx="1"/>
           </p:nvPr>
         </p:nvSpPr>
         <p:spPr>
           <a:xfrm>
-            <a:off x="6256020" y="685801"/>
-            <a:ext cx="5212080" cy="5175250"/>
+            <a:off x="0" y="0"/>
+            <a:ext cx="11292840" cy="5128923"/>
           </a:xfrm>
+          <a:solidFill>
+            <a:schemeClr val="accent1"/>
+          </a:solidFill>
         </p:spPr>
         <p:txBody>
-          <a:bodyPr/>
-          <a:lstStyle>
-            <a:lvl1pPr>
-              <a:defRPr sz="2000"/>
-            </a:lvl1pPr>
-            <a:lvl2pPr>
-              <a:defRPr sz="2000"/>
-            </a:lvl2pPr>
-            <a:lvl3pPr>
-              <a:defRPr sz="1800"/>
-            </a:lvl3pPr>
-            <a:lvl4pPr>
-              <a:defRPr sz="1800"/>
-            </a:lvl4pPr>
-            <a:lvl5pPr>
-              <a:defRPr sz="1600"/>
-            </a:lvl5pPr>
-            <a:lvl6pPr>
-              <a:defRPr sz="1600"/>
-            </a:lvl6pPr>
-            <a:lvl7pPr>
-              <a:defRPr sz="1600"/>
-            </a:lvl7pPr>
-            <a:lvl8pPr>
-              <a:defRPr sz="1600"/>
-            </a:lvl8pPr>
-            <a:lvl9pPr>
-              <a:defRPr sz="1600"/>
-            </a:lvl9pPr>
-          </a:lstStyle>
-          <a:p>
-            <a:pPr lvl="0"/>
-            <a:r>
-              <a:rPr lang="en-US" smtClean="0"/>
-              <a:t>Click to edit Master text styles</a:t>
-            </a:r>
-          </a:p>
-          <a:p>
-            <a:pPr lvl="1"/>
-            <a:r>
-              <a:rPr lang="en-US" smtClean="0"/>
-              <a:t>Second level</a:t>
-            </a:r>
-          </a:p>
-          <a:p>
-            <a:pPr lvl="2"/>
-            <a:r>
-              <a:rPr lang="en-US" smtClean="0"/>
-              <a:t>Third level</a:t>
-            </a:r>
-          </a:p>
-          <a:p>
-            <a:pPr lvl="3"/>
-            <a:r>
-              <a:rPr lang="en-US" smtClean="0"/>
-              <a:t>Fourth level</a:t>
-            </a:r>
-          </a:p>
-          <a:p>
-            <a:pPr lvl="4"/>
-            <a:r>
-              <a:rPr lang="en-US" smtClean="0"/>
-              <a:t>Fifth level</a:t>
-            </a:r>
-            <a:endParaRPr lang="en-US" dirty="0"/>
-          </a:p>
-        </p:txBody>
-      </p:sp>
-      <p:sp>
-        <p:nvSpPr>
-          <p:cNvPr id="4" name="Text Placeholder 3"/>
-          <p:cNvSpPr>
-            <a:spLocks noGrp="1"/>
-          </p:cNvSpPr>
-          <p:nvPr>
-            <p:ph type="body" sz="half" idx="2"/>
-          </p:nvPr>
-        </p:nvSpPr>
-        <p:spPr>
-          <a:xfrm>
-            <a:off x="723900" y="2856344"/>
-            <a:ext cx="3855720" cy="3011056"/>
-          </a:xfrm>
-        </p:spPr>
-        <p:txBody>
-          <a:bodyPr/>
+          <a:bodyPr anchor="t"/>
           <a:lstStyle>
             <a:lvl1pPr marL="0" indent="0">
-              <a:lnSpc>
-                <a:spcPct val="113000"/>
-              </a:lnSpc>
-              <a:spcBef>
-                <a:spcPts val="0"/>
-              </a:spcBef>
-              <a:spcAft>
-                <a:spcPts val="1500"/>
-              </a:spcAft>
               <a:buNone/>
-              <a:defRPr sz="1600"/>
+              <a:defRPr sz="3200">
+                <a:solidFill>
+                  <a:schemeClr val="bg1"/>
+                </a:solidFill>
+              </a:defRPr>
             </a:lvl1pPr>
             <a:lvl2pPr marL="457200" indent="0">
               <a:buNone/>
-              <a:defRPr sz="1400"/>
+              <a:defRPr sz="2800"/>
             </a:lvl2pPr>
             <a:lvl3pPr marL="914400" indent="0">
               <a:buNone/>
-              <a:defRPr sz="1200"/>
-            </a:lvl3pPr>
-            <a:lvl4pPr marL="1371600" indent="0">
-              <a:buNone/>
-              <a:defRPr sz="1000"/>
-            </a:lvl4pPr>
-            <a:lvl5pPr marL="1828800" indent="0">
-              <a:buNone/>
-              <a:defRPr sz="1000"/>
-            </a:lvl5pPr>
-            <a:lvl6pPr marL="2286000" indent="0">
-              <a:buNone/>
-              <a:defRPr sz="1000"/>
-            </a:lvl6pPr>
-            <a:lvl7pPr marL="2743200" indent="0">
-              <a:buNone/>
-              <a:defRPr sz="1000"/>
-            </a:lvl7pPr>
-            <a:lvl8pPr marL="3200400" indent="0">
-              <a:buNone/>
-              <a:defRPr sz="1000"/>
-            </a:lvl8pPr>
-            <a:lvl9pPr marL="3657600" indent="0">
-              <a:buNone/>
-              <a:defRPr sz="1000"/>
-            </a:lvl9pPr>
-          </a:lstStyle>
-          <a:p>
-            <a:pPr lvl="0"/>
-            <a:r>
-              <a:rPr lang="en-US" smtClean="0"/>
-              <a:t>Click to edit Master text styles</a:t>
-            </a:r>
-          </a:p>
-        </p:txBody>
-      </p:sp>
-      <p:sp>
-        <p:nvSpPr>
-          <p:cNvPr id="5" name="Date Placeholder 4"/>
-          <p:cNvSpPr>
-            <a:spLocks noGrp="1"/>
-          </p:cNvSpPr>
-          <p:nvPr>
-            <p:ph type="dt" sz="half" idx="10"/>
-          </p:nvPr>
-        </p:nvSpPr>
-        <p:spPr>
-          <a:xfrm>
-            <a:off x="723900" y="6453386"/>
-            <a:ext cx="1204572" cy="404614"/>
-          </a:xfrm>
-        </p:spPr>
-        <p:txBody>
-          <a:bodyPr/>
-          <a:lstStyle>
-            <a:lvl1pPr>
-              <a:defRPr>
-                <a:solidFill>
-                  <a:schemeClr val="tx2"/>
-                </a:solidFill>
-              </a:defRPr>
-            </a:lvl1pPr>
-          </a:lstStyle>
-          <a:p>
-            <a:fld id="{87DE6118-2437-4B30-8E3C-4D2BE6020583}" type="datetimeFigureOut">
-              <a:rPr lang="en-US" dirty="0"/>
-              <a:pPr/>
-              <a:t>4/7/2019</a:t>
-            </a:fld>
-            <a:endParaRPr lang="en-US" dirty="0"/>
-          </a:p>
-        </p:txBody>
-      </p:sp>
-      <p:sp>
-        <p:nvSpPr>
-          <p:cNvPr id="6" name="Footer Placeholder 5"/>
-          <p:cNvSpPr>
-            <a:spLocks noGrp="1"/>
-          </p:cNvSpPr>
-          <p:nvPr>
-            <p:ph type="ftr" sz="quarter" idx="11"/>
-          </p:nvPr>
-        </p:nvSpPr>
-        <p:spPr>
-          <a:xfrm>
-            <a:off x="2205945" y="6453386"/>
-            <a:ext cx="2373675" cy="404614"/>
-          </a:xfrm>
-        </p:spPr>
-        <p:txBody>
-          <a:bodyPr/>
-          <a:lstStyle>
-            <a:lvl1pPr>
-              <a:defRPr>
-                <a:solidFill>
-                  <a:schemeClr val="tx2"/>
-                </a:solidFill>
-              </a:defRPr>
-            </a:lvl1pPr>
-          </a:lstStyle>
-          <a:p>
-            <a:endParaRPr lang="en-US" dirty="0"/>
-          </a:p>
-        </p:txBody>
-      </p:sp>
-      <p:sp>
-        <p:nvSpPr>
-          <p:cNvPr id="7" name="Slide Number Placeholder 6"/>
-          <p:cNvSpPr>
-            <a:spLocks noGrp="1"/>
-          </p:cNvSpPr>
-          <p:nvPr>
-            <p:ph type="sldNum" sz="quarter" idx="12"/>
-          </p:nvPr>
-        </p:nvSpPr>
-        <p:spPr>
-          <a:xfrm>
-            <a:off x="9883140" y="6453386"/>
-            <a:ext cx="1596292" cy="404614"/>
-          </a:xfrm>
-        </p:spPr>
-        <p:txBody>
-          <a:bodyPr/>
-          <a:lstStyle>
-            <a:lvl1pPr>
-              <a:defRPr>
-                <a:solidFill>
-                  <a:schemeClr val="tx2"/>
-                </a:solidFill>
-              </a:defRPr>
-            </a:lvl1pPr>
-          </a:lstStyle>
-          <a:p>
-            <a:fld id="{69E57DC2-970A-4B3E-BB1C-7A09969E49DF}" type="slidenum">
-              <a:rPr lang="en-US" dirty="0"/>
-              <a:pPr/>
-              <a:t>‹#›</a:t>
-            </a:fld>
-            <a:endParaRPr lang="en-US" dirty="0"/>
-          </a:p>
-        </p:txBody>
-      </p:sp>
-      <p:sp>
-        <p:nvSpPr>
-          <p:cNvPr id="9" name="Rectangle 8" title="Divider Bar"/>
-          <p:cNvSpPr/>
-          <p:nvPr/>
-        </p:nvSpPr>
-        <p:spPr>
-          <a:xfrm>
-            <a:off x="5303520" y="376"/>
-            <a:ext cx="228600" cy="6858000"/>
-          </a:xfrm>
-          <a:prstGeom prst="rect">
-            <a:avLst/>
-          </a:prstGeom>
-          <a:solidFill>
-            <a:schemeClr val="tx2"/>
-          </a:solidFill>
-          <a:ln>
-            <a:noFill/>
-          </a:ln>
-        </p:spPr>
-        <p:style>
-          <a:lnRef idx="2">
-            <a:schemeClr val="accent1">
-              <a:shade val="50000"/>
-            </a:schemeClr>
-          </a:lnRef>
-          <a:fillRef idx="1">
-            <a:schemeClr val="accent1"/>
-          </a:fillRef>
-          <a:effectRef idx="0">
-            <a:schemeClr val="accent1"/>
-          </a:effectRef>
-          <a:fontRef idx="minor">
-            <a:schemeClr val="lt1"/>
-          </a:fontRef>
-        </p:style>
-      </p:sp>
-    </p:spTree>
-  </p:cSld>
-  <p:clrMapOvr>
-    <a:masterClrMapping/>
-  </p:clrMapOvr>
-</p:sldLayout>
-</file>
-
-<file path=ppt/slideLayouts/slideLayout9.xml><?xml version="1.0" encoding="utf-8"?>
-<p:sldLayout xmlns:a="http://schemas.openxmlformats.org/drawingml/2006/main" xmlns:r="http://schemas.openxmlformats.org/officeDocument/2006/relationships" xmlns:p="http://schemas.openxmlformats.org/presentationml/2006/main" showMasterSp="0" type="picTx" preserve="1">
-  <p:cSld name="Picture with Caption">
-    <p:spTree>
-      <p:nvGrpSpPr>
-        <p:cNvPr id="1" name=""/>
-        <p:cNvGrpSpPr/>
-        <p:nvPr/>
-      </p:nvGrpSpPr>
-      <p:grpSpPr>
-        <a:xfrm>
-          <a:off x="0" y="0"/>
-          <a:ext cx="0" cy="0"/>
-          <a:chOff x="0" y="0"/>
-          <a:chExt cx="0" cy="0"/>
-        </a:xfrm>
-      </p:grpSpPr>
-      <p:sp>
-        <p:nvSpPr>
-          <p:cNvPr id="8" name="Rectangle 7" title="Background Shape"/>
-          <p:cNvSpPr/>
-          <p:nvPr/>
-        </p:nvSpPr>
-        <p:spPr>
-          <a:xfrm>
-            <a:off x="0" y="376"/>
-            <a:ext cx="5303520" cy="6857624"/>
-          </a:xfrm>
-          <a:prstGeom prst="rect">
-            <a:avLst/>
-          </a:prstGeom>
-          <a:solidFill>
-            <a:schemeClr val="accent1"/>
-          </a:solidFill>
-          <a:ln>
-            <a:noFill/>
-          </a:ln>
-        </p:spPr>
-        <p:style>
-          <a:lnRef idx="2">
-            <a:schemeClr val="accent1">
-              <a:shade val="50000"/>
-            </a:schemeClr>
-          </a:lnRef>
-          <a:fillRef idx="1">
-            <a:schemeClr val="accent1"/>
-          </a:fillRef>
-          <a:effectRef idx="0">
-            <a:schemeClr val="accent1"/>
-          </a:effectRef>
-          <a:fontRef idx="minor">
-            <a:schemeClr val="lt1"/>
-          </a:fontRef>
-        </p:style>
-      </p:sp>
-      <p:sp>
-        <p:nvSpPr>
-          <p:cNvPr id="2" name="Title 1"/>
-          <p:cNvSpPr>
-            <a:spLocks noGrp="1"/>
-          </p:cNvSpPr>
-          <p:nvPr>
-            <p:ph type="title"/>
-          </p:nvPr>
-        </p:nvSpPr>
-        <p:spPr>
-          <a:xfrm>
-            <a:off x="723900" y="685800"/>
-            <a:ext cx="3855720" cy="2157884"/>
-          </a:xfrm>
-        </p:spPr>
-        <p:txBody>
-          <a:bodyPr anchor="t">
-            <a:normAutofit/>
-          </a:bodyPr>
-          <a:lstStyle>
-            <a:lvl1pPr>
-              <a:lnSpc>
-                <a:spcPct val="84000"/>
-              </a:lnSpc>
-              <a:defRPr sz="4800" baseline="0"/>
-            </a:lvl1pPr>
-          </a:lstStyle>
-          <a:p>
-            <a:r>
-              <a:rPr lang="en-US" smtClean="0"/>
-              <a:t>Click to edit Master title style</a:t>
-            </a:r>
-            <a:endParaRPr lang="en-US" dirty="0"/>
-          </a:p>
-        </p:txBody>
-      </p:sp>
-      <p:sp>
-        <p:nvSpPr>
-          <p:cNvPr id="3" name="Picture Placeholder 2"/>
-          <p:cNvSpPr>
-            <a:spLocks noGrp="1" noChangeAspect="1"/>
-          </p:cNvSpPr>
-          <p:nvPr>
-            <p:ph type="pic" idx="1"/>
-          </p:nvPr>
-        </p:nvSpPr>
-        <p:spPr>
-          <a:xfrm>
-            <a:off x="5532120" y="0"/>
-            <a:ext cx="6659880" cy="6857999"/>
-          </a:xfrm>
-        </p:spPr>
-        <p:txBody>
-          <a:bodyPr anchor="t">
-            <a:normAutofit/>
-          </a:bodyPr>
-          <a:lstStyle>
-            <a:lvl1pPr marL="0" indent="0">
-              <a:buNone/>
-              <a:defRPr sz="2000"/>
-            </a:lvl1pPr>
-            <a:lvl2pPr marL="457200" indent="0">
-              <a:buNone/>
-              <a:defRPr sz="2000"/>
-            </a:lvl2pPr>
-            <a:lvl3pPr marL="914400" indent="0">
-              <a:buNone/>
-              <a:defRPr sz="2000"/>
+              <a:defRPr sz="2400"/>
             </a:lvl3pPr>
             <a:lvl4pPr marL="1371600" indent="0">
               <a:buNone/>
@@ -2938,57 +2666,62 @@
         </p:nvSpPr>
         <p:spPr>
           <a:xfrm>
-            <a:off x="723900" y="2855968"/>
-            <a:ext cx="3855720" cy="3011432"/>
+            <a:off x="914400" y="6108589"/>
+            <a:ext cx="9982200" cy="597011"/>
           </a:xfrm>
         </p:spPr>
         <p:txBody>
-          <a:bodyPr/>
+          <a:bodyPr>
+            <a:normAutofit/>
+          </a:bodyPr>
           <a:lstStyle>
             <a:lvl1pPr marL="0" indent="0">
               <a:lnSpc>
-                <a:spcPct val="113000"/>
+                <a:spcPct val="100000"/>
               </a:lnSpc>
               <a:spcBef>
-                <a:spcPts val="0"/>
+                <a:spcPts val="800"/>
               </a:spcBef>
-              <a:spcAft>
-                <a:spcPts val="1500"/>
-              </a:spcAft>
               <a:buNone/>
-              <a:defRPr sz="1600"/>
+              <a:defRPr sz="1300">
+                <a:solidFill>
+                  <a:schemeClr val="bg1">
+                    <a:lumMod val="85000"/>
+                  </a:schemeClr>
+                </a:solidFill>
+              </a:defRPr>
             </a:lvl1pPr>
             <a:lvl2pPr marL="457200" indent="0">
               <a:buNone/>
-              <a:defRPr sz="1400"/>
+              <a:defRPr sz="1200"/>
             </a:lvl2pPr>
             <a:lvl3pPr marL="914400" indent="0">
               <a:buNone/>
-              <a:defRPr sz="1200"/>
+              <a:defRPr sz="1000"/>
             </a:lvl3pPr>
             <a:lvl4pPr marL="1371600" indent="0">
               <a:buNone/>
-              <a:defRPr sz="1000"/>
+              <a:defRPr sz="900"/>
             </a:lvl4pPr>
             <a:lvl5pPr marL="1828800" indent="0">
               <a:buNone/>
-              <a:defRPr sz="1000"/>
+              <a:defRPr sz="900"/>
             </a:lvl5pPr>
             <a:lvl6pPr marL="2286000" indent="0">
               <a:buNone/>
-              <a:defRPr sz="1000"/>
+              <a:defRPr sz="900"/>
             </a:lvl6pPr>
             <a:lvl7pPr marL="2743200" indent="0">
               <a:buNone/>
-              <a:defRPr sz="1000"/>
+              <a:defRPr sz="900"/>
             </a:lvl7pPr>
             <a:lvl8pPr marL="3200400" indent="0">
               <a:buNone/>
-              <a:defRPr sz="1000"/>
+              <a:defRPr sz="900"/>
             </a:lvl8pPr>
             <a:lvl9pPr marL="3657600" indent="0">
               <a:buNone/>
-              <a:defRPr sz="1000"/>
+              <a:defRPr sz="900"/>
             </a:lvl9pPr>
           </a:lstStyle>
           <a:p>
@@ -3010,28 +2743,15 @@
             <p:ph type="dt" sz="half" idx="10"/>
           </p:nvPr>
         </p:nvSpPr>
-        <p:spPr>
-          <a:xfrm>
-            <a:off x="723900" y="6453386"/>
-            <a:ext cx="1204572" cy="404614"/>
-          </a:xfrm>
-        </p:spPr>
+        <p:spPr/>
         <p:txBody>
           <a:bodyPr/>
-          <a:lstStyle>
-            <a:lvl1pPr>
-              <a:defRPr>
-                <a:solidFill>
-                  <a:schemeClr val="tx2"/>
-                </a:solidFill>
-              </a:defRPr>
-            </a:lvl1pPr>
-          </a:lstStyle>
+          <a:lstStyle/>
           <a:p>
             <a:fld id="{87DE6118-2437-4B30-8E3C-4D2BE6020583}" type="datetimeFigureOut">
-              <a:rPr lang="en-US" dirty="0"/>
+              <a:rPr lang="en-US" smtClean="0"/>
               <a:pPr/>
-              <a:t>4/7/2019</a:t>
+              <a:t>4/10/2019</a:t>
             </a:fld>
             <a:endParaRPr lang="en-US" dirty="0"/>
           </a:p>
@@ -3047,23 +2767,10 @@
             <p:ph type="ftr" sz="quarter" idx="11"/>
           </p:nvPr>
         </p:nvSpPr>
-        <p:spPr>
-          <a:xfrm>
-            <a:off x="2205945" y="6453386"/>
-            <a:ext cx="2373675" cy="404614"/>
-          </a:xfrm>
-        </p:spPr>
+        <p:spPr/>
         <p:txBody>
           <a:bodyPr/>
-          <a:lstStyle>
-            <a:lvl1pPr>
-              <a:defRPr>
-                <a:solidFill>
-                  <a:schemeClr val="tx2"/>
-                </a:solidFill>
-              </a:defRPr>
-            </a:lvl1pPr>
-          </a:lstStyle>
+          <a:lstStyle/>
           <a:p>
             <a:endParaRPr lang="en-US" dirty="0"/>
           </a:p>
@@ -3079,26 +2786,13 @@
             <p:ph type="sldNum" sz="quarter" idx="12"/>
           </p:nvPr>
         </p:nvSpPr>
-        <p:spPr>
-          <a:xfrm>
-            <a:off x="9883140" y="6453386"/>
-            <a:ext cx="1596292" cy="404614"/>
-          </a:xfrm>
-        </p:spPr>
+        <p:spPr/>
         <p:txBody>
           <a:bodyPr/>
-          <a:lstStyle>
-            <a:lvl1pPr>
-              <a:defRPr>
-                <a:solidFill>
-                  <a:schemeClr val="tx2"/>
-                </a:solidFill>
-              </a:defRPr>
-            </a:lvl1pPr>
-          </a:lstStyle>
+          <a:lstStyle/>
           <a:p>
             <a:fld id="{69E57DC2-970A-4B3E-BB1C-7A09969E49DF}" type="slidenum">
-              <a:rPr lang="en-US" dirty="0"/>
+              <a:rPr lang="en-US" smtClean="0"/>
               <a:pPr/>
               <a:t>‹#›</a:t>
             </a:fld>
@@ -3106,22 +2800,59 @@
           </a:p>
         </p:txBody>
       </p:sp>
-      <p:sp>
-        <p:nvSpPr>
-          <p:cNvPr id="9" name="Rectangle 8" title="Divider Bar"/>
+    </p:spTree>
+    <p:extLst>
+      <p:ext uri="{BB962C8B-B14F-4D97-AF65-F5344CB8AC3E}">
+        <p14:creationId xmlns:p14="http://schemas.microsoft.com/office/powerpoint/2010/main" val="1584132049"/>
+      </p:ext>
+    </p:extLst>
+  </p:cSld>
+  <p:clrMapOvr>
+    <a:masterClrMapping/>
+  </p:clrMapOvr>
+</p:sldLayout>
+</file>
+
+<file path=ppt/slideMasters/slideMaster1.xml><?xml version="1.0" encoding="utf-8"?>
+<p:sldMaster xmlns:a="http://schemas.openxmlformats.org/drawingml/2006/main" xmlns:r="http://schemas.openxmlformats.org/officeDocument/2006/relationships" xmlns:p="http://schemas.openxmlformats.org/presentationml/2006/main">
+  <p:cSld>
+    <p:bg>
+      <p:bgRef idx="1001">
+        <a:schemeClr val="bg1"/>
+      </p:bgRef>
+    </p:bg>
+    <p:spTree>
+      <p:nvGrpSpPr>
+        <p:cNvPr id="1" name=""/>
+        <p:cNvGrpSpPr/>
+        <p:nvPr/>
+      </p:nvGrpSpPr>
+      <p:grpSpPr>
+        <a:xfrm>
+          <a:off x="0" y="0"/>
+          <a:ext cx="0" cy="0"/>
+          <a:chOff x="0" y="0"/>
+          <a:chExt cx="0" cy="0"/>
+        </a:xfrm>
+      </p:grpSpPr>
+      <p:sp>
+        <p:nvSpPr>
+          <p:cNvPr id="7" name="Rectangle 6"/>
           <p:cNvSpPr/>
           <p:nvPr/>
         </p:nvSpPr>
         <p:spPr>
           <a:xfrm>
-            <a:off x="5303520" y="376"/>
-            <a:ext cx="228600" cy="6858000"/>
+            <a:off x="11292840" y="0"/>
+            <a:ext cx="914400" cy="6858000"/>
           </a:xfrm>
           <a:prstGeom prst="rect">
             <a:avLst/>
           </a:prstGeom>
           <a:solidFill>
-            <a:schemeClr val="tx2"/>
+            <a:schemeClr val="tx2">
+              <a:lumMod val="75000"/>
+            </a:schemeClr>
           </a:solidFill>
           <a:ln>
             <a:noFill/>
@@ -3144,39 +2875,6 @@
           </a:fontRef>
         </p:style>
       </p:sp>
-    </p:spTree>
-  </p:cSld>
-  <p:clrMapOvr>
-    <a:masterClrMapping/>
-  </p:clrMapOvr>
-</p:sldLayout>
-</file>
-
-<file path=ppt/slideMasters/slideMaster1.xml><?xml version="1.0" encoding="utf-8"?>
-<p:sldMaster xmlns:a="http://schemas.openxmlformats.org/drawingml/2006/main" xmlns:r="http://schemas.openxmlformats.org/officeDocument/2006/relationships" xmlns:p="http://schemas.openxmlformats.org/presentationml/2006/main">
-  <p:cSld>
-    <p:bg>
-      <p:bgPr>
-        <a:solidFill>
-          <a:schemeClr val="bg2"/>
-        </a:solidFill>
-        <a:effectLst/>
-      </p:bgPr>
-    </p:bg>
-    <p:spTree>
-      <p:nvGrpSpPr>
-        <p:cNvPr id="1" name=""/>
-        <p:cNvGrpSpPr/>
-        <p:nvPr/>
-      </p:nvGrpSpPr>
-      <p:grpSpPr>
-        <a:xfrm>
-          <a:off x="0" y="0"/>
-          <a:ext cx="0" cy="0"/>
-          <a:chOff x="0" y="0"/>
-          <a:chExt cx="0" cy="0"/>
-        </a:xfrm>
-      </p:grpSpPr>
       <p:sp>
         <p:nvSpPr>
           <p:cNvPr id="2" name="Title Placeholder 1"/>
@@ -3189,15 +2887,15 @@
         </p:nvSpPr>
         <p:spPr>
           <a:xfrm>
-            <a:off x="1371600" y="685800"/>
-            <a:ext cx="9601200" cy="1485900"/>
+            <a:off x="1261872" y="365760"/>
+            <a:ext cx="9692640" cy="1325562"/>
           </a:xfrm>
           <a:prstGeom prst="rect">
             <a:avLst/>
           </a:prstGeom>
         </p:spPr>
         <p:txBody>
-          <a:bodyPr vert="horz" lIns="91440" tIns="45720" rIns="91440" bIns="45720" rtlCol="0" anchor="t">
+          <a:bodyPr vert="horz" lIns="91440" tIns="45720" rIns="91440" bIns="45720" rtlCol="0" anchor="b">
             <a:normAutofit/>
           </a:bodyPr>
           <a:lstStyle/>
@@ -3222,8 +2920,8 @@
         </p:nvSpPr>
         <p:spPr>
           <a:xfrm>
-            <a:off x="1371600" y="2286000"/>
-            <a:ext cx="9601200" cy="3581400"/>
+            <a:off x="1261872" y="1828800"/>
+            <a:ext cx="8595360" cy="4351337"/>
           </a:xfrm>
           <a:prstGeom prst="rect">
             <a:avLst/>
@@ -3283,9 +2981,9 @@
           </p:nvPr>
         </p:nvSpPr>
         <p:spPr>
-          <a:xfrm>
-            <a:off x="1390650" y="6453386"/>
-            <a:ext cx="1204572" cy="404614"/>
+          <a:xfrm rot="16200000">
+            <a:off x="10797542" y="998537"/>
+            <a:ext cx="1904999" cy="365125"/>
           </a:xfrm>
           <a:prstGeom prst="rect">
             <a:avLst/>
@@ -3294,19 +2992,22 @@
         <p:txBody>
           <a:bodyPr vert="horz" lIns="91440" tIns="45720" rIns="91440" bIns="45720" rtlCol="0" anchor="ctr"/>
           <a:lstStyle>
-            <a:lvl1pPr algn="l">
-              <a:defRPr sz="1200" baseline="0">
+            <a:lvl1pPr algn="r">
+              <a:defRPr sz="1050" b="0">
                 <a:solidFill>
-                  <a:schemeClr val="tx2"/>
+                  <a:schemeClr val="tx2">
+                    <a:lumMod val="20000"/>
+                    <a:lumOff val="80000"/>
+                  </a:schemeClr>
                 </a:solidFill>
               </a:defRPr>
             </a:lvl1pPr>
           </a:lstStyle>
           <a:p>
             <a:fld id="{87DE6118-2437-4B30-8E3C-4D2BE6020583}" type="datetimeFigureOut">
-              <a:rPr lang="en-US" dirty="0"/>
+              <a:rPr lang="en-US" smtClean="0"/>
               <a:pPr/>
-              <a:t>4/7/2019</a:t>
+              <a:t>4/10/2019</a:t>
             </a:fld>
             <a:endParaRPr lang="en-US" dirty="0"/>
           </a:p>
@@ -3323,9 +3024,9 @@
           </p:nvPr>
         </p:nvSpPr>
         <p:spPr>
-          <a:xfrm>
-            <a:off x="2893564" y="6453386"/>
-            <a:ext cx="6280830" cy="404614"/>
+          <a:xfrm rot="16200000">
+            <a:off x="9959341" y="4046537"/>
+            <a:ext cx="3581400" cy="365125"/>
           </a:xfrm>
           <a:prstGeom prst="rect">
             <a:avLst/>
@@ -3335,9 +3036,12 @@
           <a:bodyPr vert="horz" lIns="91440" tIns="45720" rIns="91440" bIns="45720" rtlCol="0" anchor="ctr"/>
           <a:lstStyle>
             <a:lvl1pPr algn="l">
-              <a:defRPr sz="1200" baseline="0">
+              <a:defRPr sz="1050">
                 <a:solidFill>
-                  <a:schemeClr val="tx2"/>
+                  <a:schemeClr val="tx2">
+                    <a:lumMod val="20000"/>
+                    <a:lumOff val="80000"/>
+                  </a:schemeClr>
                 </a:solidFill>
               </a:defRPr>
             </a:lvl1pPr>
@@ -3359,27 +3063,32 @@
         </p:nvSpPr>
         <p:spPr>
           <a:xfrm>
-            <a:off x="9472736" y="6453386"/>
-            <a:ext cx="1596292" cy="404614"/>
+            <a:off x="11292840" y="6172200"/>
+            <a:ext cx="914400" cy="593725"/>
           </a:xfrm>
           <a:prstGeom prst="rect">
             <a:avLst/>
           </a:prstGeom>
         </p:spPr>
         <p:txBody>
-          <a:bodyPr vert="horz" lIns="91440" tIns="45720" rIns="91440" bIns="45720" rtlCol="0" anchor="ctr"/>
+          <a:bodyPr vert="horz" lIns="45720" tIns="45720" rIns="45720" bIns="45720" rtlCol="0" anchor="ctr">
+            <a:normAutofit/>
+          </a:bodyPr>
           <a:lstStyle>
-            <a:lvl1pPr algn="r">
-              <a:defRPr sz="1200" baseline="0">
+            <a:lvl1pPr algn="ctr">
+              <a:defRPr sz="3600">
                 <a:solidFill>
-                  <a:schemeClr val="tx2"/>
+                  <a:schemeClr val="tx2">
+                    <a:lumMod val="60000"/>
+                    <a:lumOff val="40000"/>
+                  </a:schemeClr>
                 </a:solidFill>
               </a:defRPr>
             </a:lvl1pPr>
           </a:lstStyle>
           <a:p>
             <a:fld id="{69E57DC2-970A-4B3E-BB1C-7A09969E49DF}" type="slidenum">
-              <a:rPr lang="en-US" dirty="0"/>
+              <a:rPr lang="en-US" smtClean="0"/>
               <a:pPr/>
               <a:t>‹#›</a:t>
             </a:fld>
@@ -3387,73 +3096,40 @@
           </a:p>
         </p:txBody>
       </p:sp>
-      <p:sp>
-        <p:nvSpPr>
-          <p:cNvPr id="9" name="Rectangle 8" title="Side bar"/>
-          <p:cNvSpPr/>
-          <p:nvPr/>
-        </p:nvSpPr>
-        <p:spPr>
-          <a:xfrm>
-            <a:off x="478095" y="376"/>
-            <a:ext cx="228600" cy="6858000"/>
-          </a:xfrm>
-          <a:prstGeom prst="rect">
-            <a:avLst/>
-          </a:prstGeom>
-          <a:solidFill>
-            <a:schemeClr val="tx2"/>
-          </a:solidFill>
-          <a:ln>
-            <a:noFill/>
-          </a:ln>
-        </p:spPr>
-        <p:style>
-          <a:lnRef idx="2">
-            <a:schemeClr val="accent1">
-              <a:shade val="50000"/>
-            </a:schemeClr>
-          </a:lnRef>
-          <a:fillRef idx="1">
-            <a:schemeClr val="accent1"/>
-          </a:fillRef>
-          <a:effectRef idx="0">
-            <a:schemeClr val="accent1"/>
-          </a:effectRef>
-          <a:fontRef idx="minor">
-            <a:schemeClr val="lt1"/>
-          </a:fontRef>
-        </p:style>
-      </p:sp>
     </p:spTree>
+    <p:extLst>
+      <p:ext uri="{BB962C8B-B14F-4D97-AF65-F5344CB8AC3E}">
+        <p14:creationId xmlns:p14="http://schemas.microsoft.com/office/powerpoint/2010/main" val="149326921"/>
+      </p:ext>
+    </p:extLst>
   </p:cSld>
   <p:clrMap bg1="lt1" tx1="dk1" bg2="lt2" tx2="dk2" accent1="accent1" accent2="accent2" accent3="accent3" accent4="accent4" accent5="accent5" accent6="accent6" hlink="hlink" folHlink="folHlink"/>
   <p:sldLayoutIdLst>
-    <p:sldLayoutId id="2147483649" r:id="rId1"/>
-    <p:sldLayoutId id="2147483650" r:id="rId2"/>
-    <p:sldLayoutId id="2147483651" r:id="rId3"/>
-    <p:sldLayoutId id="2147483652" r:id="rId4"/>
-    <p:sldLayoutId id="2147483653" r:id="rId5"/>
-    <p:sldLayoutId id="2147483654" r:id="rId6"/>
-    <p:sldLayoutId id="2147483655" r:id="rId7"/>
-    <p:sldLayoutId id="2147483656" r:id="rId8"/>
-    <p:sldLayoutId id="2147483657" r:id="rId9"/>
-    <p:sldLayoutId id="2147483658" r:id="rId10"/>
-    <p:sldLayoutId id="2147483659" r:id="rId11"/>
+    <p:sldLayoutId id="2147483691" r:id="rId1"/>
+    <p:sldLayoutId id="2147483692" r:id="rId2"/>
+    <p:sldLayoutId id="2147483693" r:id="rId3"/>
+    <p:sldLayoutId id="2147483694" r:id="rId4"/>
+    <p:sldLayoutId id="2147483695" r:id="rId5"/>
+    <p:sldLayoutId id="2147483696" r:id="rId6"/>
+    <p:sldLayoutId id="2147483697" r:id="rId7"/>
+    <p:sldLayoutId id="2147483698" r:id="rId8"/>
+    <p:sldLayoutId id="2147483699" r:id="rId9"/>
+    <p:sldLayoutId id="2147483700" r:id="rId10"/>
+    <p:sldLayoutId id="2147483701" r:id="rId11"/>
   </p:sldLayoutIdLst>
   <p:txStyles>
     <p:titleStyle>
       <a:lvl1pPr algn="l" defTabSz="914400" rtl="0" eaLnBrk="1" latinLnBrk="0" hangingPunct="1">
         <a:lnSpc>
-          <a:spcPct val="89000"/>
+          <a:spcPct val="90000"/>
         </a:lnSpc>
         <a:spcBef>
           <a:spcPct val="0"/>
         </a:spcBef>
         <a:buNone/>
-        <a:defRPr sz="4400" kern="1200" baseline="0">
+        <a:defRPr sz="4400" kern="1200" spc="-50" baseline="0">
           <a:solidFill>
-            <a:schemeClr val="tx2"/>
+            <a:schemeClr val="tx1"/>
           </a:solidFill>
           <a:latin typeface="+mj-lt"/>
           <a:ea typeface="+mj-ea"/>
@@ -3462,189 +3138,241 @@
       </a:lvl1pPr>
     </p:titleStyle>
     <p:bodyStyle>
-      <a:lvl1pPr marL="384048" indent="-384048" algn="l" defTabSz="914400" rtl="0" eaLnBrk="1" latinLnBrk="0" hangingPunct="1">
+      <a:lvl1pPr marL="182880" indent="-182880" algn="l" defTabSz="914400" rtl="0" eaLnBrk="1" latinLnBrk="0" hangingPunct="1">
         <a:lnSpc>
-          <a:spcPct val="94000"/>
+          <a:spcPct val="95000"/>
         </a:lnSpc>
         <a:spcBef>
-          <a:spcPts val="1000"/>
+          <a:spcPts val="1400"/>
         </a:spcBef>
         <a:spcAft>
           <a:spcPts val="200"/>
         </a:spcAft>
-        <a:buFont typeface="Franklin Gothic Book" panose="020B0503020102020204" pitchFamily="34" charset="0"/>
-        <a:buChar char="■"/>
-        <a:defRPr sz="2000" kern="1200" baseline="0">
+        <a:buClr>
+          <a:schemeClr val="accent1"/>
+        </a:buClr>
+        <a:buSzPct val="80000"/>
+        <a:buFont typeface="Arial" pitchFamily="34" charset="0"/>
+        <a:buChar char="•"/>
+        <a:defRPr sz="1800" kern="1200" spc="10" baseline="0">
           <a:solidFill>
-            <a:schemeClr val="tx2"/>
+            <a:schemeClr val="tx1"/>
           </a:solidFill>
           <a:latin typeface="+mn-lt"/>
           <a:ea typeface="+mn-ea"/>
           <a:cs typeface="+mn-cs"/>
         </a:defRPr>
       </a:lvl1pPr>
-      <a:lvl2pPr marL="914400" indent="-384048" algn="l" defTabSz="914400" rtl="0" eaLnBrk="1" latinLnBrk="0" hangingPunct="1">
+      <a:lvl2pPr marL="457200" indent="-182880" algn="l" defTabSz="914400" rtl="0" eaLnBrk="1" latinLnBrk="0" hangingPunct="1">
         <a:lnSpc>
-          <a:spcPct val="94000"/>
+          <a:spcPct val="90000"/>
         </a:lnSpc>
         <a:spcBef>
-          <a:spcPts val="500"/>
+          <a:spcPts val="300"/>
         </a:spcBef>
         <a:spcAft>
-          <a:spcPts val="200"/>
+          <a:spcPts val="300"/>
         </a:spcAft>
-        <a:buFont typeface="Franklin Gothic Book" panose="020B0503020102020204" pitchFamily="34" charset="0"/>
-        <a:buChar char="–"/>
-        <a:defRPr sz="2000" i="1" kern="1200" baseline="0">
+        <a:buClr>
+          <a:schemeClr val="accent1"/>
+        </a:buClr>
+        <a:buFont typeface="Wingdings 2" pitchFamily="18" charset="2"/>
+        <a:buChar char=""/>
+        <a:defRPr sz="1600" kern="1200">
           <a:solidFill>
-            <a:schemeClr val="tx2"/>
+            <a:schemeClr val="tx1">
+              <a:lumMod val="85000"/>
+              <a:lumOff val="15000"/>
+            </a:schemeClr>
           </a:solidFill>
           <a:latin typeface="+mn-lt"/>
           <a:ea typeface="+mn-ea"/>
           <a:cs typeface="+mn-cs"/>
         </a:defRPr>
       </a:lvl2pPr>
-      <a:lvl3pPr marL="1371600" indent="-384048" algn="l" defTabSz="914400" rtl="0" eaLnBrk="1" latinLnBrk="0" hangingPunct="1">
+      <a:lvl3pPr marL="731520" indent="-182880" algn="l" defTabSz="914400" rtl="0" eaLnBrk="1" latinLnBrk="0" hangingPunct="1">
         <a:lnSpc>
-          <a:spcPct val="94000"/>
+          <a:spcPct val="90000"/>
         </a:lnSpc>
         <a:spcBef>
-          <a:spcPts val="500"/>
+          <a:spcPts val="300"/>
         </a:spcBef>
         <a:spcAft>
-          <a:spcPts val="200"/>
+          <a:spcPts val="300"/>
         </a:spcAft>
-        <a:buFont typeface="Franklin Gothic Book" panose="020B0503020102020204" pitchFamily="34" charset="0"/>
-        <a:buChar char="■"/>
-        <a:defRPr sz="1800" kern="1200" baseline="0">
+        <a:buClr>
+          <a:schemeClr val="accent1"/>
+        </a:buClr>
+        <a:buFont typeface="Wingdings 2" pitchFamily="18" charset="2"/>
+        <a:buChar char=""/>
+        <a:defRPr sz="1400" kern="1200">
           <a:solidFill>
-            <a:schemeClr val="tx2"/>
+            <a:schemeClr val="tx1">
+              <a:lumMod val="85000"/>
+              <a:lumOff val="15000"/>
+            </a:schemeClr>
           </a:solidFill>
           <a:latin typeface="+mn-lt"/>
           <a:ea typeface="+mn-ea"/>
           <a:cs typeface="+mn-cs"/>
         </a:defRPr>
       </a:lvl3pPr>
-      <a:lvl4pPr marL="1828800" indent="-384048" algn="l" defTabSz="914400" rtl="0" eaLnBrk="1" latinLnBrk="0" hangingPunct="1">
+      <a:lvl4pPr marL="1005840" indent="-182880" algn="l" defTabSz="914400" rtl="0" eaLnBrk="1" latinLnBrk="0" hangingPunct="1">
         <a:lnSpc>
-          <a:spcPct val="94000"/>
+          <a:spcPct val="90000"/>
         </a:lnSpc>
         <a:spcBef>
-          <a:spcPts val="500"/>
+          <a:spcPts val="300"/>
         </a:spcBef>
         <a:spcAft>
-          <a:spcPts val="200"/>
+          <a:spcPts val="300"/>
         </a:spcAft>
-        <a:buFont typeface="Franklin Gothic Book" panose="020B0503020102020204" pitchFamily="34" charset="0"/>
-        <a:buChar char="–"/>
-        <a:defRPr sz="1800" i="1" kern="1200" baseline="0">
+        <a:buClr>
+          <a:schemeClr val="accent1"/>
+        </a:buClr>
+        <a:buFont typeface="Wingdings 2" pitchFamily="18" charset="2"/>
+        <a:buChar char=""/>
+        <a:defRPr sz="1400" kern="1200">
           <a:solidFill>
-            <a:schemeClr val="tx2"/>
+            <a:schemeClr val="tx1">
+              <a:lumMod val="85000"/>
+              <a:lumOff val="15000"/>
+            </a:schemeClr>
           </a:solidFill>
           <a:latin typeface="+mn-lt"/>
           <a:ea typeface="+mn-ea"/>
           <a:cs typeface="+mn-cs"/>
         </a:defRPr>
       </a:lvl4pPr>
-      <a:lvl5pPr marL="2286000" indent="-384048" algn="l" defTabSz="914400" rtl="0" eaLnBrk="1" latinLnBrk="0" hangingPunct="1">
+      <a:lvl5pPr marL="1280160" indent="-182880" algn="l" defTabSz="914400" rtl="0" eaLnBrk="1" latinLnBrk="0" hangingPunct="1">
         <a:lnSpc>
-          <a:spcPct val="94000"/>
+          <a:spcPct val="90000"/>
         </a:lnSpc>
         <a:spcBef>
-          <a:spcPts val="500"/>
+          <a:spcPts val="300"/>
         </a:spcBef>
         <a:spcAft>
-          <a:spcPts val="200"/>
+          <a:spcPts val="300"/>
         </a:spcAft>
-        <a:buFont typeface="Franklin Gothic Book" panose="020B0503020102020204" pitchFamily="34" charset="0"/>
-        <a:buChar char="■"/>
-        <a:defRPr sz="1600" kern="1200" baseline="0">
+        <a:buClr>
+          <a:schemeClr val="accent1"/>
+        </a:buClr>
+        <a:buFont typeface="Wingdings 2" pitchFamily="18" charset="2"/>
+        <a:buChar char=""/>
+        <a:defRPr sz="1400" kern="1200">
           <a:solidFill>
-            <a:schemeClr val="tx2"/>
+            <a:schemeClr val="tx1">
+              <a:lumMod val="85000"/>
+              <a:lumOff val="15000"/>
+            </a:schemeClr>
           </a:solidFill>
           <a:latin typeface="+mn-lt"/>
           <a:ea typeface="+mn-ea"/>
           <a:cs typeface="+mn-cs"/>
         </a:defRPr>
       </a:lvl5pPr>
-      <a:lvl6pPr marL="2743200" indent="-384048" algn="l" defTabSz="914400" rtl="0" eaLnBrk="1" latinLnBrk="0" hangingPunct="1">
+      <a:lvl6pPr marL="1600000" indent="-228600" algn="l" defTabSz="914400" rtl="0" eaLnBrk="1" latinLnBrk="0" hangingPunct="1">
         <a:lnSpc>
-          <a:spcPct val="94000"/>
+          <a:spcPct val="90000"/>
         </a:lnSpc>
         <a:spcBef>
-          <a:spcPts val="500"/>
+          <a:spcPts val="300"/>
         </a:spcBef>
         <a:spcAft>
-          <a:spcPts val="200"/>
+          <a:spcPts val="300"/>
         </a:spcAft>
-        <a:buFont typeface="Franklin Gothic Book" panose="020B0503020102020204" pitchFamily="34" charset="0"/>
-        <a:buChar char="–"/>
-        <a:defRPr sz="1600" i="1" kern="1200" baseline="0">
+        <a:buClr>
+          <a:schemeClr val="accent1"/>
+        </a:buClr>
+        <a:buFont typeface="Wingdings 2" pitchFamily="18" charset="2"/>
+        <a:buChar char=""/>
+        <a:defRPr sz="1400" kern="1200">
           <a:solidFill>
-            <a:schemeClr val="tx2"/>
+            <a:schemeClr val="tx1">
+              <a:lumMod val="85000"/>
+              <a:lumOff val="15000"/>
+            </a:schemeClr>
           </a:solidFill>
           <a:latin typeface="+mn-lt"/>
           <a:ea typeface="+mn-ea"/>
           <a:cs typeface="+mn-cs"/>
         </a:defRPr>
       </a:lvl6pPr>
-      <a:lvl7pPr marL="3200400" indent="-384048" algn="l" defTabSz="914400" rtl="0" eaLnBrk="1" latinLnBrk="0" hangingPunct="1">
+      <a:lvl7pPr marL="1900000" indent="-228600" algn="l" defTabSz="914400" rtl="0" eaLnBrk="1" latinLnBrk="0" hangingPunct="1">
         <a:lnSpc>
-          <a:spcPct val="94000"/>
+          <a:spcPct val="90000"/>
         </a:lnSpc>
         <a:spcBef>
-          <a:spcPts val="500"/>
+          <a:spcPts val="300"/>
         </a:spcBef>
         <a:spcAft>
-          <a:spcPts val="200"/>
+          <a:spcPts val="300"/>
         </a:spcAft>
-        <a:buFont typeface="Franklin Gothic Book" panose="020B0503020102020204" pitchFamily="34" charset="0"/>
-        <a:buChar char="■"/>
-        <a:defRPr sz="1400" kern="1200" baseline="0">
+        <a:buClr>
+          <a:schemeClr val="accent1"/>
+        </a:buClr>
+        <a:buFont typeface="Wingdings 2" pitchFamily="18" charset="2"/>
+        <a:buChar char=""/>
+        <a:defRPr sz="1400" kern="1200">
           <a:solidFill>
-            <a:schemeClr val="tx2"/>
+            <a:schemeClr val="tx1">
+              <a:lumMod val="85000"/>
+              <a:lumOff val="15000"/>
+            </a:schemeClr>
           </a:solidFill>
           <a:latin typeface="+mn-lt"/>
           <a:ea typeface="+mn-ea"/>
           <a:cs typeface="+mn-cs"/>
         </a:defRPr>
       </a:lvl7pPr>
-      <a:lvl8pPr marL="3657600" indent="-384048" algn="l" defTabSz="914400" rtl="0" eaLnBrk="1" latinLnBrk="0" hangingPunct="1">
+      <a:lvl8pPr marL="2200000" indent="-228600" algn="l" defTabSz="914400" rtl="0" eaLnBrk="1" latinLnBrk="0" hangingPunct="1">
         <a:lnSpc>
-          <a:spcPct val="94000"/>
+          <a:spcPct val="90000"/>
         </a:lnSpc>
         <a:spcBef>
-          <a:spcPts val="500"/>
+          <a:spcPts val="300"/>
         </a:spcBef>
         <a:spcAft>
-          <a:spcPts val="200"/>
+          <a:spcPts val="300"/>
         </a:spcAft>
-        <a:buFont typeface="Franklin Gothic Book" panose="020B0503020102020204" pitchFamily="34" charset="0"/>
-        <a:buChar char="–"/>
-        <a:defRPr sz="1400" i="1" kern="1200" baseline="0">
+        <a:buClr>
+          <a:schemeClr val="accent1"/>
+        </a:buClr>
+        <a:buFont typeface="Wingdings 2" pitchFamily="18" charset="2"/>
+        <a:buChar char=""/>
+        <a:defRPr sz="1400" kern="1200">
           <a:solidFill>
-            <a:schemeClr val="tx2"/>
+            <a:schemeClr val="tx1">
+              <a:lumMod val="85000"/>
+              <a:lumOff val="15000"/>
+            </a:schemeClr>
           </a:solidFill>
           <a:latin typeface="+mn-lt"/>
           <a:ea typeface="+mn-ea"/>
           <a:cs typeface="+mn-cs"/>
         </a:defRPr>
       </a:lvl8pPr>
-      <a:lvl9pPr marL="4114800" indent="-384048" algn="l" defTabSz="914400" rtl="0" eaLnBrk="1" latinLnBrk="0" hangingPunct="1">
+      <a:lvl9pPr marL="2500000" indent="-228600" algn="l" defTabSz="914400" rtl="0" eaLnBrk="1" latinLnBrk="0" hangingPunct="1">
         <a:lnSpc>
-          <a:spcPct val="94000"/>
+          <a:spcPct val="90000"/>
         </a:lnSpc>
         <a:spcBef>
-          <a:spcPts val="500"/>
+          <a:spcPts val="300"/>
         </a:spcBef>
         <a:spcAft>
-          <a:spcPts val="200"/>
+          <a:spcPts val="300"/>
         </a:spcAft>
-        <a:buFont typeface="Franklin Gothic Book" panose="020B0503020102020204" pitchFamily="34" charset="0"/>
-        <a:buChar char="■"/>
-        <a:defRPr sz="1400" kern="1200" baseline="0">
+        <a:buClr>
+          <a:schemeClr val="accent1"/>
+        </a:buClr>
+        <a:buFont typeface="Wingdings 2" pitchFamily="18" charset="2"/>
+        <a:buChar char=""/>
+        <a:defRPr sz="1400" kern="1200">
           <a:solidFill>
-            <a:schemeClr val="tx2"/>
+            <a:schemeClr val="tx1">
+              <a:lumMod val="85000"/>
+              <a:lumOff val="15000"/>
+            </a:schemeClr>
           </a:solidFill>
           <a:latin typeface="+mn-lt"/>
           <a:ea typeface="+mn-ea"/>
@@ -3748,50 +3476,9 @@
       </a:lvl9pPr>
     </p:otherStyle>
   </p:txStyles>
-  <p:extLst mod="1">
+  <p:extLst>
     <p:ext uri="{27BBF7A9-308A-43DC-89C8-2F10F3537804}">
-      <p15:sldGuideLst xmlns:p15="http://schemas.microsoft.com/office/powerpoint/2012/main">
-        <p15:guide id="3" orient="horz" pos="1368">
-          <p15:clr>
-            <a:srgbClr val="F26B43"/>
-          </p15:clr>
-        </p15:guide>
-        <p15:guide id="4" orient="horz" pos="1440">
-          <p15:clr>
-            <a:srgbClr val="F26B43"/>
-          </p15:clr>
-        </p15:guide>
-        <p15:guide id="6" orient="horz" pos="3696">
-          <p15:clr>
-            <a:srgbClr val="F26B43"/>
-          </p15:clr>
-        </p15:guide>
-        <p15:guide id="7" orient="horz" pos="432">
-          <p15:clr>
-            <a:srgbClr val="F26B43"/>
-          </p15:clr>
-        </p15:guide>
-        <p15:guide id="8" orient="horz" pos="1512">
-          <p15:clr>
-            <a:srgbClr val="F26B43"/>
-          </p15:clr>
-        </p15:guide>
-        <p15:guide id="9" pos="6912">
-          <p15:clr>
-            <a:srgbClr val="F26B43"/>
-          </p15:clr>
-        </p15:guide>
-        <p15:guide id="10" pos="936">
-          <p15:clr>
-            <a:srgbClr val="F26B43"/>
-          </p15:clr>
-        </p15:guide>
-        <p15:guide id="11" pos="864">
-          <p15:clr>
-            <a:srgbClr val="F26B43"/>
-          </p15:clr>
-        </p15:guide>
-      </p15:sldGuideLst>
+      <p15:sldGuideLst xmlns:p15="http://schemas.microsoft.com/office/powerpoint/2012/main"/>
     </p:ext>
   </p:extLst>
 </p:sldMaster>
@@ -3831,7 +3518,15 @@
           <a:p>
             <a:r>
               <a:rPr lang="en-CA" dirty="0" smtClean="0"/>
-              <a:t>Cricket winner prediction</a:t>
+              <a:t>Cricket Winner </a:t>
+            </a:r>
+            <a:r>
+              <a:rPr lang="en-CA" dirty="0"/>
+              <a:t>P</a:t>
+            </a:r>
+            <a:r>
+              <a:rPr lang="en-CA" dirty="0" smtClean="0"/>
+              <a:t>rediction</a:t>
             </a:r>
             <a:endParaRPr lang="en-CA" dirty="0"/>
           </a:p>
@@ -3872,6 +3567,9 @@
   <p:clrMapOvr>
     <a:masterClrMapping/>
   </p:clrMapOvr>
+  <p:transition spd="slow">
+    <p:wipe/>
+  </p:transition>
   <p:timing>
     <p:tnLst>
       <p:par>
@@ -4059,7 +3757,7 @@
         </p:blipFill>
         <p:spPr>
           <a:xfrm>
-            <a:off x="1435014" y="5072885"/>
+            <a:off x="716557" y="5254845"/>
             <a:ext cx="10487025" cy="363919"/>
           </a:xfrm>
           <a:prstGeom prst="rect">
@@ -4077,6 +3775,14 @@
   <p:clrMapOvr>
     <a:masterClrMapping/>
   </p:clrMapOvr>
+  <mc:AlternateContent xmlns:mc="http://schemas.openxmlformats.org/markup-compatibility/2006" xmlns:p14="http://schemas.microsoft.com/office/powerpoint/2010/main">
+    <mc:Choice Requires="p14">
+      <p:transition p14:dur="0"/>
+    </mc:Choice>
+    <mc:Fallback xmlns="">
+      <p:transition/>
+    </mc:Fallback>
+  </mc:AlternateContent>
   <p:timing>
     <p:tnLst>
       <p:par>
@@ -4139,7 +3845,7 @@
         </p:nvSpPr>
         <p:spPr>
           <a:xfrm>
-            <a:off x="1371600" y="1570008"/>
+            <a:off x="1261872" y="1823101"/>
             <a:ext cx="9601200" cy="3581400"/>
           </a:xfrm>
         </p:spPr>
@@ -4193,6 +3899,14 @@
   <p:clrMapOvr>
     <a:masterClrMapping/>
   </p:clrMapOvr>
+  <mc:AlternateContent xmlns:mc="http://schemas.openxmlformats.org/markup-compatibility/2006" xmlns:p14="http://schemas.microsoft.com/office/powerpoint/2010/main">
+    <mc:Choice Requires="p14">
+      <p:transition p14:dur="0"/>
+    </mc:Choice>
+    <mc:Fallback xmlns="">
+      <p:transition/>
+    </mc:Fallback>
+  </mc:AlternateContent>
   <p:timing>
     <p:tnLst>
       <p:par>
@@ -4255,7 +3969,7 @@
         </p:nvSpPr>
         <p:spPr>
           <a:xfrm>
-            <a:off x="1371600" y="1561381"/>
+            <a:off x="1261872" y="1912445"/>
             <a:ext cx="9601200" cy="3581400"/>
           </a:xfrm>
         </p:spPr>
@@ -4570,6 +4284,14 @@
   <p:clrMapOvr>
     <a:masterClrMapping/>
   </p:clrMapOvr>
+  <mc:AlternateContent xmlns:mc="http://schemas.openxmlformats.org/markup-compatibility/2006" xmlns:p14="http://schemas.microsoft.com/office/powerpoint/2010/main">
+    <mc:Choice Requires="p14">
+      <p:transition p14:dur="0"/>
+    </mc:Choice>
+    <mc:Fallback xmlns="">
+      <p:transition/>
+    </mc:Fallback>
+  </mc:AlternateContent>
   <p:timing>
     <p:tnLst>
       <p:par>
@@ -4669,7 +4391,7 @@
         </p:blipFill>
         <p:spPr bwMode="auto">
           <a:xfrm>
-            <a:off x="1473140" y="4556993"/>
+            <a:off x="1473140" y="4581486"/>
             <a:ext cx="4213207" cy="1035080"/>
           </a:xfrm>
           <a:prstGeom prst="rect">
@@ -4687,6 +4409,36 @@
           </a:extLst>
         </p:spPr>
       </p:pic>
+      <p:sp>
+        <p:nvSpPr>
+          <p:cNvPr id="3" name="TextBox 2"/>
+          <p:cNvSpPr txBox="1"/>
+          <p:nvPr/>
+        </p:nvSpPr>
+        <p:spPr>
+          <a:xfrm>
+            <a:off x="6008914" y="4581485"/>
+            <a:ext cx="3927022" cy="369332"/>
+          </a:xfrm>
+          <a:prstGeom prst="rect">
+            <a:avLst/>
+          </a:prstGeom>
+          <a:noFill/>
+        </p:spPr>
+        <p:txBody>
+          <a:bodyPr wrap="square" rtlCol="0">
+            <a:spAutoFit/>
+          </a:bodyPr>
+          <a:lstStyle/>
+          <a:p>
+            <a:r>
+              <a:rPr lang="en-CA" dirty="0" smtClean="0"/>
+              <a:t>Log-likelihood = -4.8354446</a:t>
+            </a:r>
+            <a:endParaRPr lang="en-CA" dirty="0"/>
+          </a:p>
+        </p:txBody>
+      </p:sp>
     </p:spTree>
     <p:extLst>
       <p:ext uri="{BB962C8B-B14F-4D97-AF65-F5344CB8AC3E}">
@@ -4697,6 +4449,21 @@
   <p:clrMapOvr>
     <a:masterClrMapping/>
   </p:clrMapOvr>
+  <mc:AlternateContent xmlns:mc="http://schemas.openxmlformats.org/markup-compatibility/2006" xmlns:p14="http://schemas.microsoft.com/office/powerpoint/2010/main">
+    <mc:Choice Requires="p14">
+      <p:transition p14:dur="0"/>
+    </mc:Choice>
+    <mc:Fallback xmlns="">
+      <p:transition/>
+    </mc:Fallback>
+  </mc:AlternateContent>
+  <p:timing>
+    <p:tnLst>
+      <p:par>
+        <p:cTn id="1" dur="indefinite" restart="never" nodeType="tmRoot"/>
+      </p:par>
+    </p:tnLst>
+  </p:timing>
 </p:sld>
 </file>
 
@@ -4814,6 +4581,14 @@
   <p:clrMapOvr>
     <a:masterClrMapping/>
   </p:clrMapOvr>
+  <mc:AlternateContent xmlns:mc="http://schemas.openxmlformats.org/markup-compatibility/2006" xmlns:p14="http://schemas.microsoft.com/office/powerpoint/2010/main">
+    <mc:Choice Requires="p14">
+      <p:transition p14:dur="0"/>
+    </mc:Choice>
+    <mc:Fallback xmlns="">
+      <p:transition/>
+    </mc:Fallback>
+  </mc:AlternateContent>
   <p:timing>
     <p:tnLst>
       <p:par>
@@ -4935,6 +4710,14 @@
   <p:clrMapOvr>
     <a:masterClrMapping/>
   </p:clrMapOvr>
+  <mc:AlternateContent xmlns:mc="http://schemas.openxmlformats.org/markup-compatibility/2006" xmlns:p14="http://schemas.microsoft.com/office/powerpoint/2010/main">
+    <mc:Choice Requires="p14">
+      <p:transition p14:dur="0"/>
+    </mc:Choice>
+    <mc:Fallback xmlns="">
+      <p:transition/>
+    </mc:Fallback>
+  </mc:AlternateContent>
   <p:timing>
     <p:tnLst>
       <p:par>
@@ -4974,6 +4757,167 @@
         </p:nvSpPr>
         <p:spPr/>
         <p:txBody>
+          <a:bodyPr>
+            <a:normAutofit/>
+          </a:bodyPr>
+          <a:lstStyle/>
+          <a:p>
+            <a:r>
+              <a:rPr lang="en-CA" dirty="0" smtClean="0"/>
+              <a:t>Model Evaluation - Statistics</a:t>
+            </a:r>
+            <a:br>
+              <a:rPr lang="en-CA" dirty="0" smtClean="0"/>
+            </a:br>
+            <a:endParaRPr lang="en-CA" dirty="0"/>
+          </a:p>
+        </p:txBody>
+      </p:sp>
+      <p:sp>
+        <p:nvSpPr>
+          <p:cNvPr id="3" name="Content Placeholder 2"/>
+          <p:cNvSpPr>
+            <a:spLocks noGrp="1"/>
+          </p:cNvSpPr>
+          <p:nvPr>
+            <p:ph idx="1"/>
+          </p:nvPr>
+        </p:nvSpPr>
+        <p:spPr>
+          <a:xfrm>
+            <a:off x="1371600" y="1716656"/>
+            <a:ext cx="9601200" cy="3581400"/>
+          </a:xfrm>
+        </p:spPr>
+        <p:txBody>
+          <a:bodyPr>
+            <a:normAutofit lnSpcReduction="10000"/>
+          </a:bodyPr>
+          <a:lstStyle/>
+          <a:p>
+            <a:r>
+              <a:rPr lang="en-CA" dirty="0" smtClean="0"/>
+              <a:t>Sensitivity: True Positive Rate = TP / (TP + FN) = 24 / 30 = 0.80</a:t>
+            </a:r>
+          </a:p>
+          <a:p>
+            <a:r>
+              <a:rPr lang="en-CA" dirty="0" smtClean="0"/>
+              <a:t>Specificity: </a:t>
+            </a:r>
+            <a:r>
+              <a:rPr lang="en-CA" dirty="0"/>
+              <a:t>True Negative Rate </a:t>
+            </a:r>
+            <a:r>
+              <a:rPr lang="en-CA" dirty="0" smtClean="0"/>
+              <a:t>= TN / (TN + FP) = 19 / 20 = 0.95</a:t>
+            </a:r>
+          </a:p>
+          <a:p>
+            <a:r>
+              <a:rPr lang="en-CA" dirty="0" smtClean="0"/>
+              <a:t>Positive Predictive Value: TP / (TP + FP) = 24 / 25 = 0.96</a:t>
+            </a:r>
+          </a:p>
+          <a:p>
+            <a:r>
+              <a:rPr lang="en-CA" dirty="0" smtClean="0"/>
+              <a:t>Negative Predictive Value: TN / (TN + FN) = 19 / 25 = 0.76</a:t>
+            </a:r>
+          </a:p>
+          <a:p>
+            <a:r>
+              <a:rPr lang="en-CA" dirty="0" smtClean="0"/>
+              <a:t>Positive Likelihood Ratio: TPR/FPR = Sensitivity / (1 – Specificity)</a:t>
+            </a:r>
+          </a:p>
+          <a:p>
+            <a:pPr marL="0" indent="0">
+              <a:buNone/>
+            </a:pPr>
+            <a:r>
+              <a:rPr lang="en-CA" dirty="0" smtClean="0"/>
+              <a:t>                                                                 = 0.80/(1-0.95) = 16:1</a:t>
+            </a:r>
+          </a:p>
+          <a:p>
+            <a:r>
+              <a:rPr lang="en-CA" dirty="0" smtClean="0"/>
+              <a:t>Negative Likelihood Ratio: FNR/TNR = (1 - Sensitivity) / Specificity</a:t>
+            </a:r>
+          </a:p>
+          <a:p>
+            <a:pPr marL="0" indent="0">
+              <a:buNone/>
+            </a:pPr>
+            <a:r>
+              <a:rPr lang="en-CA" dirty="0" smtClean="0"/>
+              <a:t>                                                                    = (1 – 0.80) / 0.95 = 4:19</a:t>
+            </a:r>
+          </a:p>
+          <a:p>
+            <a:endParaRPr lang="en-CA" dirty="0"/>
+          </a:p>
+        </p:txBody>
+      </p:sp>
+    </p:spTree>
+    <p:extLst>
+      <p:ext uri="{BB962C8B-B14F-4D97-AF65-F5344CB8AC3E}">
+        <p14:creationId xmlns:p14="http://schemas.microsoft.com/office/powerpoint/2010/main" val="980193756"/>
+      </p:ext>
+    </p:extLst>
+  </p:cSld>
+  <p:clrMapOvr>
+    <a:masterClrMapping/>
+  </p:clrMapOvr>
+  <mc:AlternateContent xmlns:mc="http://schemas.openxmlformats.org/markup-compatibility/2006" xmlns:p14="http://schemas.microsoft.com/office/powerpoint/2010/main">
+    <mc:Choice Requires="p14">
+      <p:transition p14:dur="0"/>
+    </mc:Choice>
+    <mc:Fallback xmlns="">
+      <p:transition/>
+    </mc:Fallback>
+  </mc:AlternateContent>
+  <p:timing>
+    <p:tnLst>
+      <p:par>
+        <p:cTn id="1" dur="indefinite" restart="never" nodeType="tmRoot"/>
+      </p:par>
+    </p:tnLst>
+  </p:timing>
+</p:sld>
+</file>
+
+<file path=ppt/slides/slide17.xml><?xml version="1.0" encoding="utf-8"?>
+<p:sld xmlns:a="http://schemas.openxmlformats.org/drawingml/2006/main" xmlns:r="http://schemas.openxmlformats.org/officeDocument/2006/relationships" xmlns:p="http://schemas.openxmlformats.org/presentationml/2006/main">
+  <p:cSld>
+    <p:spTree>
+      <p:nvGrpSpPr>
+        <p:cNvPr id="1" name=""/>
+        <p:cNvGrpSpPr/>
+        <p:nvPr/>
+      </p:nvGrpSpPr>
+      <p:grpSpPr>
+        <a:xfrm>
+          <a:off x="0" y="0"/>
+          <a:ext cx="0" cy="0"/>
+          <a:chOff x="0" y="0"/>
+          <a:chExt cx="0" cy="0"/>
+        </a:xfrm>
+      </p:grpSpPr>
+      <p:sp>
+        <p:nvSpPr>
+          <p:cNvPr id="2" name="Title 1"/>
+          <p:cNvSpPr>
+            <a:spLocks noGrp="1"/>
+          </p:cNvSpPr>
+          <p:nvPr>
+            <p:ph type="title"/>
+          </p:nvPr>
+        </p:nvSpPr>
+        <p:spPr/>
+        <p:txBody>
           <a:bodyPr/>
           <a:lstStyle/>
           <a:p>
@@ -5021,148 +4965,14 @@
   <p:clrMapOvr>
     <a:masterClrMapping/>
   </p:clrMapOvr>
-</p:sld>
-</file>
-
-<file path=ppt/slides/slide17.xml><?xml version="1.0" encoding="utf-8"?>
-<p:sld xmlns:a="http://schemas.openxmlformats.org/drawingml/2006/main" xmlns:r="http://schemas.openxmlformats.org/officeDocument/2006/relationships" xmlns:p="http://schemas.openxmlformats.org/presentationml/2006/main">
-  <p:cSld>
-    <p:spTree>
-      <p:nvGrpSpPr>
-        <p:cNvPr id="1" name=""/>
-        <p:cNvGrpSpPr/>
-        <p:nvPr/>
-      </p:nvGrpSpPr>
-      <p:grpSpPr>
-        <a:xfrm>
-          <a:off x="0" y="0"/>
-          <a:ext cx="0" cy="0"/>
-          <a:chOff x="0" y="0"/>
-          <a:chExt cx="0" cy="0"/>
-        </a:xfrm>
-      </p:grpSpPr>
-      <p:sp>
-        <p:nvSpPr>
-          <p:cNvPr id="2" name="Title 1"/>
-          <p:cNvSpPr>
-            <a:spLocks noGrp="1"/>
-          </p:cNvSpPr>
-          <p:nvPr>
-            <p:ph type="title"/>
-          </p:nvPr>
-        </p:nvSpPr>
-        <p:spPr/>
-        <p:txBody>
-          <a:bodyPr/>
-          <a:lstStyle/>
-          <a:p>
-            <a:r>
-              <a:rPr lang="en-CA" dirty="0" smtClean="0"/>
-              <a:t>Model Evaluation - Statistics</a:t>
-            </a:r>
-            <a:br>
-              <a:rPr lang="en-CA" dirty="0" smtClean="0"/>
-            </a:br>
-            <a:endParaRPr lang="en-CA" dirty="0"/>
-          </a:p>
-        </p:txBody>
-      </p:sp>
-      <p:sp>
-        <p:nvSpPr>
-          <p:cNvPr id="3" name="Content Placeholder 2"/>
-          <p:cNvSpPr>
-            <a:spLocks noGrp="1"/>
-          </p:cNvSpPr>
-          <p:nvPr>
-            <p:ph idx="1"/>
-          </p:nvPr>
-        </p:nvSpPr>
-        <p:spPr>
-          <a:xfrm>
-            <a:off x="1371600" y="1716656"/>
-            <a:ext cx="9601200" cy="3581400"/>
-          </a:xfrm>
-        </p:spPr>
-        <p:txBody>
-          <a:bodyPr/>
-          <a:lstStyle/>
-          <a:p>
-            <a:r>
-              <a:rPr lang="en-CA" dirty="0" smtClean="0"/>
-              <a:t>Sensitivity: True Positive Rate = TP / (TP + FN) = 24 / 30 = 0.80</a:t>
-            </a:r>
-          </a:p>
-          <a:p>
-            <a:r>
-              <a:rPr lang="en-CA" dirty="0" smtClean="0"/>
-              <a:t>Specificity: </a:t>
-            </a:r>
-            <a:r>
-              <a:rPr lang="en-CA" dirty="0"/>
-              <a:t>True Negative Rate </a:t>
-            </a:r>
-            <a:r>
-              <a:rPr lang="en-CA" dirty="0" smtClean="0"/>
-              <a:t>= TN / (TN + FP) = 19 / 20 = 0.95</a:t>
-            </a:r>
-          </a:p>
-          <a:p>
-            <a:r>
-              <a:rPr lang="en-CA" dirty="0" smtClean="0"/>
-              <a:t>Positive Predictive Value: TP / (TP + FP) = 24 / 25 = 0.96</a:t>
-            </a:r>
-          </a:p>
-          <a:p>
-            <a:r>
-              <a:rPr lang="en-CA" dirty="0" smtClean="0"/>
-              <a:t>Negative Predictive Value: TN / (TN + FN) = 19 / 25 = 0.76</a:t>
-            </a:r>
-          </a:p>
-          <a:p>
-            <a:r>
-              <a:rPr lang="en-CA" dirty="0" smtClean="0"/>
-              <a:t>Positive Likelihood Ratio: TPR/FPR = Sensitivity / (1 – Specificity)</a:t>
-            </a:r>
-          </a:p>
-          <a:p>
-            <a:pPr marL="0" indent="0">
-              <a:buNone/>
-            </a:pPr>
-            <a:r>
-              <a:rPr lang="en-CA" dirty="0" smtClean="0"/>
-              <a:t>                                                                 = 0.80/(1-0.95) = 16:1</a:t>
-            </a:r>
-          </a:p>
-          <a:p>
-            <a:r>
-              <a:rPr lang="en-CA" dirty="0" smtClean="0"/>
-              <a:t>Negative Likelihood Ratio: FNR/TNR = (1 - Sensitivity) / Specificity</a:t>
-            </a:r>
-          </a:p>
-          <a:p>
-            <a:pPr marL="0" indent="0">
-              <a:buNone/>
-            </a:pPr>
-            <a:r>
-              <a:rPr lang="en-CA" dirty="0" smtClean="0"/>
-              <a:t>                                                                    = (1 – 0.80) / 0.95 = 4:19</a:t>
-            </a:r>
-          </a:p>
-          <a:p>
-            <a:endParaRPr lang="en-CA" dirty="0"/>
-          </a:p>
-        </p:txBody>
-      </p:sp>
-    </p:spTree>
-    <p:extLst>
-      <p:ext uri="{BB962C8B-B14F-4D97-AF65-F5344CB8AC3E}">
-        <p14:creationId xmlns:p14="http://schemas.microsoft.com/office/powerpoint/2010/main" val="980193756"/>
-      </p:ext>
-    </p:extLst>
-  </p:cSld>
-  <p:clrMapOvr>
-    <a:masterClrMapping/>
-  </p:clrMapOvr>
+  <mc:AlternateContent xmlns:mc="http://schemas.openxmlformats.org/markup-compatibility/2006" xmlns:p14="http://schemas.microsoft.com/office/powerpoint/2010/main">
+    <mc:Choice Requires="p14">
+      <p:transition p14:dur="0"/>
+    </mc:Choice>
+    <mc:Fallback xmlns="">
+      <p:transition/>
+    </mc:Fallback>
+  </mc:AlternateContent>
   <p:timing>
     <p:tnLst>
       <p:par>
@@ -5225,7 +5035,7 @@
         </p:nvSpPr>
         <p:spPr>
           <a:xfrm>
-            <a:off x="1371600" y="1673525"/>
+            <a:off x="1261872" y="1804154"/>
             <a:ext cx="9601200" cy="3581400"/>
           </a:xfrm>
         </p:spPr>
@@ -5281,6 +5091,14 @@
   <p:clrMapOvr>
     <a:masterClrMapping/>
   </p:clrMapOvr>
+  <mc:AlternateContent xmlns:mc="http://schemas.openxmlformats.org/markup-compatibility/2006" xmlns:p14="http://schemas.microsoft.com/office/powerpoint/2010/main">
+    <mc:Choice Requires="p14">
+      <p:transition p14:dur="0"/>
+    </mc:Choice>
+    <mc:Fallback xmlns="">
+      <p:transition/>
+    </mc:Fallback>
+  </mc:AlternateContent>
   <p:timing>
     <p:tnLst>
       <p:par>
@@ -5320,7 +5138,7 @@
         </p:nvSpPr>
         <p:spPr>
           <a:xfrm>
-            <a:off x="1337095" y="2764766"/>
+            <a:off x="830910" y="2029981"/>
             <a:ext cx="9601200" cy="1485900"/>
           </a:xfrm>
         </p:spPr>
@@ -5347,6 +5165,9 @@
   <p:clrMapOvr>
     <a:masterClrMapping/>
   </p:clrMapOvr>
+  <p:transition spd="slow">
+    <p:wipe/>
+  </p:transition>
   <p:timing>
     <p:tnLst>
       <p:par>
@@ -5428,31 +5249,8 @@
           <a:p>
             <a:r>
               <a:rPr lang="en-CA" dirty="0" smtClean="0"/>
-              <a:t>2019 is the ODI World Cup season. World Cup is every 4 years, this time hosted by England and Wales. </a:t>
-            </a:r>
-          </a:p>
-          <a:p>
-            <a:r>
-              <a:rPr lang="en-CA" dirty="0" smtClean="0"/>
-              <a:t>Ten teams qualified for the World Cup: </a:t>
-            </a:r>
-          </a:p>
-          <a:p>
-            <a:r>
-              <a:rPr lang="en-CA" dirty="0" smtClean="0"/>
-              <a:t>Australia, New Zealand, India, South Africa, Pakistan, Sri Lanka, </a:t>
-            </a:r>
-            <a:r>
-              <a:rPr lang="en-CA" dirty="0" err="1" smtClean="0"/>
-              <a:t>Windies</a:t>
-            </a:r>
-            <a:r>
-              <a:rPr lang="en-CA" dirty="0" smtClean="0"/>
-              <a:t>, Afghanistan, Bangladesh and England</a:t>
-            </a:r>
-          </a:p>
-          <a:p>
-            <a:endParaRPr lang="en-CA" dirty="0" smtClean="0"/>
+              <a:t>2019 is ODI World Cup season. World Cup is every 4 years, this time hosted by England and Wales. </a:t>
+            </a:r>
           </a:p>
           <a:p>
             <a:endParaRPr lang="en-CA" dirty="0"/>
@@ -5469,6 +5267,14 @@
   <p:clrMapOvr>
     <a:masterClrMapping/>
   </p:clrMapOvr>
+  <mc:AlternateContent xmlns:mc="http://schemas.openxmlformats.org/markup-compatibility/2006" xmlns:p14="http://schemas.microsoft.com/office/powerpoint/2010/main">
+    <mc:Choice Requires="p14">
+      <p:transition p14:dur="0"/>
+    </mc:Choice>
+    <mc:Fallback xmlns="">
+      <p:transition/>
+    </mc:Fallback>
+  </mc:AlternateContent>
   <p:timing>
     <p:tnLst>
       <p:par>
@@ -5532,7 +5338,7 @@
         <p:spPr/>
         <p:txBody>
           <a:bodyPr>
-            <a:normAutofit fontScale="92500" lnSpcReduction="20000"/>
+            <a:normAutofit/>
           </a:bodyPr>
           <a:lstStyle/>
           <a:p>
@@ -5562,37 +5368,13 @@
           <a:p>
             <a:r>
               <a:rPr lang="en-CA" dirty="0" smtClean="0"/>
-              <a:t>Example: Team 1 bats first and makes 250 runs, Team 2 bats second and makes only 240 runs. </a:t>
-            </a:r>
-            <a:r>
-              <a:rPr lang="en-CA" dirty="0" smtClean="0"/>
-              <a:t>Margin of victory is</a:t>
-            </a:r>
-            <a:r>
-              <a:rPr lang="en-CA" dirty="0" smtClean="0"/>
-              <a:t> </a:t>
-            </a:r>
-            <a:r>
-              <a:rPr lang="en-CA" dirty="0" smtClean="0"/>
-              <a:t>10 runs. </a:t>
-            </a:r>
-          </a:p>
-          <a:p>
-            <a:r>
-              <a:rPr lang="en-CA" dirty="0" smtClean="0"/>
-              <a:t>Team 1 bats first and makes 200 runs, Team 2 bats second and makes 201 runs and only 3 batsmen are out. </a:t>
-            </a:r>
-            <a:r>
-              <a:rPr lang="en-CA" dirty="0" smtClean="0"/>
-              <a:t>Margin of victory is</a:t>
-            </a:r>
-            <a:r>
-              <a:rPr lang="en-CA" dirty="0" smtClean="0"/>
-              <a:t> </a:t>
-            </a:r>
-            <a:r>
-              <a:rPr lang="en-CA" dirty="0" smtClean="0"/>
-              <a:t>7 wickets (10 – 3)</a:t>
+              <a:t>Example: Team 1 bats first and makes 250 runs, Team 2 bats second and makes only 240 runs. Margin of victory is 10 runs. </a:t>
+            </a:r>
+          </a:p>
+          <a:p>
+            <a:r>
+              <a:rPr lang="en-CA" dirty="0" smtClean="0"/>
+              <a:t>Team 1 bats first and makes 200 runs, Team 2 bats second and makes 201 runs and only 3 batsmen are out. Margin of victory is 7 wickets (10 – 3)</a:t>
             </a:r>
           </a:p>
           <a:p>
@@ -5610,6 +5392,14 @@
   <p:clrMapOvr>
     <a:masterClrMapping/>
   </p:clrMapOvr>
+  <mc:AlternateContent xmlns:mc="http://schemas.openxmlformats.org/markup-compatibility/2006" xmlns:p14="http://schemas.microsoft.com/office/powerpoint/2010/main">
+    <mc:Choice Requires="p14">
+      <p:transition p14:dur="0"/>
+    </mc:Choice>
+    <mc:Fallback xmlns="">
+      <p:transition/>
+    </mc:Fallback>
+  </mc:AlternateContent>
   <p:timing>
     <p:tnLst>
       <p:par>
@@ -5693,6 +5483,18 @@
             <a:endParaRPr lang="en-CA" dirty="0" smtClean="0"/>
           </a:p>
           <a:p>
+            <a:endParaRPr lang="en-CA" dirty="0"/>
+          </a:p>
+          <a:p>
+            <a:pPr marL="0" indent="0">
+              <a:buNone/>
+            </a:pPr>
+            <a:r>
+              <a:rPr lang="en-CA" dirty="0" smtClean="0"/>
+              <a:t>Project:</a:t>
+            </a:r>
+          </a:p>
+          <a:p>
             <a:r>
               <a:rPr lang="en-CA" dirty="0" smtClean="0"/>
               <a:t>Attempting </a:t>
@@ -5717,6 +5519,14 @@
   <p:clrMapOvr>
     <a:masterClrMapping/>
   </p:clrMapOvr>
+  <mc:AlternateContent xmlns:mc="http://schemas.openxmlformats.org/markup-compatibility/2006" xmlns:p14="http://schemas.microsoft.com/office/powerpoint/2010/main">
+    <mc:Choice Requires="p14">
+      <p:transition p14:dur="0"/>
+    </mc:Choice>
+    <mc:Fallback xmlns="">
+      <p:transition/>
+    </mc:Fallback>
+  </mc:AlternateContent>
   <p:timing>
     <p:tnLst>
       <p:par>
@@ -5790,7 +5600,7 @@
         </p:spPr>
         <p:txBody>
           <a:bodyPr>
-            <a:normAutofit fontScale="85000" lnSpcReduction="20000"/>
+            <a:normAutofit fontScale="92500" lnSpcReduction="20000"/>
           </a:bodyPr>
           <a:lstStyle/>
           <a:p>
@@ -6046,7 +5856,7 @@
         </p:blipFill>
         <p:spPr>
           <a:xfrm>
-            <a:off x="1371600" y="3645379"/>
+            <a:off x="928776" y="3710693"/>
             <a:ext cx="10363200" cy="2495550"/>
           </a:xfrm>
           <a:prstGeom prst="rect">
@@ -6064,6 +5874,14 @@
   <p:clrMapOvr>
     <a:masterClrMapping/>
   </p:clrMapOvr>
+  <mc:AlternateContent xmlns:mc="http://schemas.openxmlformats.org/markup-compatibility/2006" xmlns:p14="http://schemas.microsoft.com/office/powerpoint/2010/main">
+    <mc:Choice Requires="p14">
+      <p:transition p14:dur="0"/>
+    </mc:Choice>
+    <mc:Fallback xmlns="">
+      <p:transition/>
+    </mc:Fallback>
+  </mc:AlternateContent>
   <p:timing>
     <p:tnLst>
       <p:par>
@@ -6113,15 +5931,7 @@
           <a:p>
             <a:r>
               <a:rPr lang="en-CA" dirty="0" smtClean="0"/>
-              <a:t>Features – Season (year), </a:t>
-            </a:r>
-            <a:r>
-              <a:rPr lang="en-CA" dirty="0" smtClean="0"/>
-              <a:t>Coin toss</a:t>
-            </a:r>
-            <a:r>
-              <a:rPr lang="en-CA" dirty="0" smtClean="0"/>
-              <a:t>, Venue</a:t>
+              <a:t>Features – Season (year), Coin toss, Venue</a:t>
             </a:r>
             <a:endParaRPr lang="en-CA" dirty="0"/>
           </a:p>
@@ -6139,7 +5949,7 @@
         </p:nvSpPr>
         <p:spPr>
           <a:xfrm>
-            <a:off x="1371600" y="1509622"/>
+            <a:off x="1314450" y="1795911"/>
             <a:ext cx="9601200" cy="3581400"/>
           </a:xfrm>
         </p:spPr>
@@ -6283,6 +6093,14 @@
   <p:clrMapOvr>
     <a:masterClrMapping/>
   </p:clrMapOvr>
+  <mc:AlternateContent xmlns:mc="http://schemas.openxmlformats.org/markup-compatibility/2006" xmlns:p14="http://schemas.microsoft.com/office/powerpoint/2010/main">
+    <mc:Choice Requires="p14">
+      <p:transition p14:dur="0"/>
+    </mc:Choice>
+    <mc:Fallback xmlns="">
+      <p:transition/>
+    </mc:Fallback>
+  </mc:AlternateContent>
   <p:timing>
     <p:tnLst>
       <p:par>
@@ -6312,79 +6130,6 @@
       </p:grpSpPr>
       <p:sp>
         <p:nvSpPr>
-          <p:cNvPr id="5" name="Content Placeholder 4"/>
-          <p:cNvSpPr>
-            <a:spLocks noGrp="1"/>
-          </p:cNvSpPr>
-          <p:nvPr>
-            <p:ph idx="1"/>
-          </p:nvPr>
-        </p:nvSpPr>
-        <p:spPr>
-          <a:xfrm>
-            <a:off x="1371600" y="1517529"/>
-            <a:ext cx="9601200" cy="5702061"/>
-          </a:xfrm>
-        </p:spPr>
-        <p:txBody>
-          <a:bodyPr/>
-          <a:lstStyle/>
-          <a:p>
-            <a:r>
-              <a:rPr lang="en-CA" dirty="0" smtClean="0"/>
-              <a:t>Coin toss - 43.7% of toss winners are also match winners. </a:t>
-            </a:r>
-          </a:p>
-          <a:p>
-            <a:r>
-              <a:rPr lang="en-CA" dirty="0" smtClean="0"/>
-              <a:t>Toss winning also act as a major feature in predicting the result</a:t>
-            </a:r>
-          </a:p>
-          <a:p>
-            <a:endParaRPr lang="en-CA" dirty="0"/>
-          </a:p>
-          <a:p>
-            <a:endParaRPr lang="en-CA" dirty="0" smtClean="0"/>
-          </a:p>
-          <a:p>
-            <a:endParaRPr lang="en-CA" dirty="0"/>
-          </a:p>
-          <a:p>
-            <a:endParaRPr lang="en-CA" dirty="0" smtClean="0"/>
-          </a:p>
-          <a:p>
-            <a:endParaRPr lang="en-CA" dirty="0"/>
-          </a:p>
-          <a:p>
-            <a:endParaRPr lang="en-CA" dirty="0" smtClean="0"/>
-          </a:p>
-          <a:p>
-            <a:endParaRPr lang="en-CA" dirty="0"/>
-          </a:p>
-          <a:p>
-            <a:r>
-              <a:rPr lang="en-CA" dirty="0" smtClean="0"/>
-              <a:t>Venue - Home </a:t>
-            </a:r>
-            <a:r>
-              <a:rPr lang="en-CA" dirty="0"/>
-              <a:t>conditions play a very important role in predicting match winners. </a:t>
-            </a:r>
-          </a:p>
-          <a:p>
-            <a:pPr marL="0" indent="0">
-              <a:buNone/>
-            </a:pPr>
-            <a:endParaRPr lang="en-CA" dirty="0" smtClean="0"/>
-          </a:p>
-          <a:p>
-            <a:endParaRPr lang="en-CA" dirty="0"/>
-          </a:p>
-        </p:txBody>
-      </p:sp>
-      <p:sp>
-        <p:nvSpPr>
           <p:cNvPr id="4" name="Title 1"/>
           <p:cNvSpPr>
             <a:spLocks noGrp="1"/>
@@ -6405,15 +6150,7 @@
           <a:p>
             <a:r>
               <a:rPr lang="en-CA" dirty="0" smtClean="0"/>
-              <a:t>Features – Season (year), </a:t>
-            </a:r>
-            <a:r>
-              <a:rPr lang="en-CA" dirty="0" smtClean="0"/>
-              <a:t>Coi</a:t>
-            </a:r>
-            <a:r>
-              <a:rPr lang="en-CA" dirty="0" smtClean="0"/>
-              <a:t>n </a:t>
+              <a:t>Features – Season (year), Coin </a:t>
             </a:r>
             <a:r>
               <a:rPr lang="en-CA" dirty="0"/>
@@ -6421,12 +6158,89 @@
             </a:r>
             <a:r>
               <a:rPr lang="en-CA" dirty="0" smtClean="0"/>
-              <a:t>oss</a:t>
-            </a:r>
-            <a:r>
-              <a:rPr lang="en-CA" dirty="0" smtClean="0"/>
-              <a:t>, Venue</a:t>
-            </a:r>
+              <a:t>oss, Venue</a:t>
+            </a:r>
+            <a:endParaRPr lang="en-CA" dirty="0"/>
+          </a:p>
+        </p:txBody>
+      </p:sp>
+      <p:sp>
+        <p:nvSpPr>
+          <p:cNvPr id="5" name="Content Placeholder 4"/>
+          <p:cNvSpPr>
+            <a:spLocks noGrp="1"/>
+          </p:cNvSpPr>
+          <p:nvPr>
+            <p:ph idx="1"/>
+          </p:nvPr>
+        </p:nvSpPr>
+        <p:spPr>
+          <a:xfrm>
+            <a:off x="1371600" y="1809391"/>
+            <a:ext cx="9601200" cy="5702061"/>
+          </a:xfrm>
+        </p:spPr>
+        <p:txBody>
+          <a:bodyPr/>
+          <a:lstStyle/>
+          <a:p>
+            <a:r>
+              <a:rPr lang="en-CA" dirty="0" smtClean="0"/>
+              <a:t>Coin toss - 43.7% of toss winners are also match winners. </a:t>
+            </a:r>
+          </a:p>
+          <a:p>
+            <a:r>
+              <a:rPr lang="en-CA" dirty="0" smtClean="0"/>
+              <a:t>Toss winning also act as a major feature in predicting the result</a:t>
+            </a:r>
+          </a:p>
+          <a:p>
+            <a:endParaRPr lang="en-CA" dirty="0"/>
+          </a:p>
+          <a:p>
+            <a:endParaRPr lang="en-CA" dirty="0" smtClean="0"/>
+          </a:p>
+          <a:p>
+            <a:endParaRPr lang="en-CA" dirty="0"/>
+          </a:p>
+          <a:p>
+            <a:endParaRPr lang="en-CA" dirty="0" smtClean="0"/>
+          </a:p>
+          <a:p>
+            <a:endParaRPr lang="en-CA" dirty="0"/>
+          </a:p>
+          <a:p>
+            <a:endParaRPr lang="en-CA" dirty="0" smtClean="0"/>
+          </a:p>
+          <a:p>
+            <a:endParaRPr lang="en-CA" dirty="0"/>
+          </a:p>
+          <a:p>
+            <a:r>
+              <a:rPr lang="en-CA" dirty="0" smtClean="0"/>
+              <a:t>Venue: </a:t>
+            </a:r>
+            <a:r>
+              <a:rPr lang="en-CA" dirty="0"/>
+              <a:t>h</a:t>
+            </a:r>
+            <a:r>
+              <a:rPr lang="en-CA" dirty="0" smtClean="0"/>
+              <a:t>ome condition plays </a:t>
+            </a:r>
+            <a:r>
+              <a:rPr lang="en-CA" dirty="0"/>
+              <a:t>a very important role in predicting match winners. </a:t>
+            </a:r>
+          </a:p>
+          <a:p>
+            <a:pPr marL="0" indent="0">
+              <a:buNone/>
+            </a:pPr>
+            <a:endParaRPr lang="en-CA" dirty="0" smtClean="0"/>
+          </a:p>
+          <a:p>
             <a:endParaRPr lang="en-CA" dirty="0"/>
           </a:p>
         </p:txBody>
@@ -6465,6 +6279,14 @@
   <p:clrMapOvr>
     <a:masterClrMapping/>
   </p:clrMapOvr>
+  <mc:AlternateContent xmlns:mc="http://schemas.openxmlformats.org/markup-compatibility/2006" xmlns:p14="http://schemas.microsoft.com/office/powerpoint/2010/main">
+    <mc:Choice Requires="p14">
+      <p:transition p14:dur="0"/>
+    </mc:Choice>
+    <mc:Fallback xmlns="">
+      <p:transition/>
+    </mc:Fallback>
+  </mc:AlternateContent>
   <p:timing>
     <p:tnLst>
       <p:par>
@@ -6527,12 +6349,14 @@
         </p:nvSpPr>
         <p:spPr>
           <a:xfrm>
-            <a:off x="1371600" y="1500995"/>
+            <a:off x="1261872" y="1708965"/>
             <a:ext cx="9601200" cy="5080959"/>
           </a:xfrm>
         </p:spPr>
         <p:txBody>
-          <a:bodyPr/>
+          <a:bodyPr>
+            <a:normAutofit lnSpcReduction="10000"/>
+          </a:bodyPr>
           <a:lstStyle/>
           <a:p>
             <a:r>
@@ -6615,6 +6439,14 @@
   <p:clrMapOvr>
     <a:masterClrMapping/>
   </p:clrMapOvr>
+  <mc:AlternateContent xmlns:mc="http://schemas.openxmlformats.org/markup-compatibility/2006" xmlns:p14="http://schemas.microsoft.com/office/powerpoint/2010/main">
+    <mc:Choice Requires="p14">
+      <p:transition p14:dur="0"/>
+    </mc:Choice>
+    <mc:Fallback xmlns="">
+      <p:transition/>
+    </mc:Fallback>
+  </mc:AlternateContent>
   <p:timing>
     <p:tnLst>
       <p:par>
@@ -6677,7 +6509,7 @@
         </p:nvSpPr>
         <p:spPr>
           <a:xfrm>
-            <a:off x="1431985" y="1570008"/>
+            <a:off x="1261872" y="1855758"/>
             <a:ext cx="9601200" cy="3581400"/>
           </a:xfrm>
         </p:spPr>
@@ -6820,6 +6652,14 @@
   <p:clrMapOvr>
     <a:masterClrMapping/>
   </p:clrMapOvr>
+  <mc:AlternateContent xmlns:mc="http://schemas.openxmlformats.org/markup-compatibility/2006" xmlns:p14="http://schemas.microsoft.com/office/powerpoint/2010/main">
+    <mc:Choice Requires="p14">
+      <p:transition p14:dur="0"/>
+    </mc:Choice>
+    <mc:Fallback xmlns="">
+      <p:transition/>
+    </mc:Fallback>
+  </mc:AlternateContent>
   <p:timing>
     <p:tnLst>
       <p:par>
@@ -6831,58 +6671,58 @@
 </file>
 
 <file path=ppt/theme/theme1.xml><?xml version="1.0" encoding="utf-8"?>
-<a:theme xmlns:a="http://schemas.openxmlformats.org/drawingml/2006/main" name="Crop">
+<a:theme xmlns:a="http://schemas.openxmlformats.org/drawingml/2006/main" name="View">
   <a:themeElements>
-    <a:clrScheme name="Crop">
+    <a:clrScheme name="View">
       <a:dk1>
-        <a:sysClr val="windowText" lastClr="000000"/>
+        <a:srgbClr val="000000"/>
       </a:dk1>
       <a:lt1>
-        <a:sysClr val="window" lastClr="FFFFFF"/>
+        <a:srgbClr val="FFFFFF"/>
       </a:lt1>
       <a:dk2>
-        <a:srgbClr val="191B0E"/>
+        <a:srgbClr val="46464A"/>
       </a:dk2>
       <a:lt2>
-        <a:srgbClr val="EFEDE3"/>
+        <a:srgbClr val="D6D3CC"/>
       </a:lt2>
       <a:accent1>
-        <a:srgbClr val="8C8D86"/>
+        <a:srgbClr val="6F6F74"/>
       </a:accent1>
       <a:accent2>
-        <a:srgbClr val="E6C069"/>
+        <a:srgbClr val="92A9B9"/>
       </a:accent2>
       <a:accent3>
-        <a:srgbClr val="897B61"/>
+        <a:srgbClr val="A7B789"/>
       </a:accent3>
       <a:accent4>
-        <a:srgbClr val="8DAB8E"/>
+        <a:srgbClr val="B9A489"/>
       </a:accent4>
       <a:accent5>
-        <a:srgbClr val="77A2BB"/>
+        <a:srgbClr val="8D6374"/>
       </a:accent5>
       <a:accent6>
-        <a:srgbClr val="E28394"/>
+        <a:srgbClr val="9B7362"/>
       </a:accent6>
       <a:hlink>
-        <a:srgbClr val="77A2BB"/>
+        <a:srgbClr val="67AABF"/>
       </a:hlink>
       <a:folHlink>
-        <a:srgbClr val="957A99"/>
+        <a:srgbClr val="ABAFA5"/>
       </a:folHlink>
     </a:clrScheme>
-    <a:fontScheme name="Crop">
+    <a:fontScheme name="View">
       <a:majorFont>
-        <a:latin typeface="Franklin Gothic Book" panose="020B0503020102020204"/>
+        <a:latin typeface="Century Schoolbook" panose="02040604050505020304"/>
         <a:ea typeface=""/>
         <a:cs typeface=""/>
-        <a:font script="Jpan" typeface="メイリオ"/>
-        <a:font script="Hang" typeface="돋움"/>
-        <a:font script="Hans" typeface="华文楷体"/>
-        <a:font script="Hant" typeface="微軟正黑體"/>
+        <a:font script="Jpan" typeface="ＭＳ ゴシック"/>
+        <a:font script="Hang" typeface="맑은 고딕"/>
+        <a:font script="Hans" typeface="宋体"/>
+        <a:font script="Hant" typeface="新細明體"/>
         <a:font script="Arab" typeface="Tahoma"/>
-        <a:font script="Hebr" typeface="Aharoni"/>
-        <a:font script="Thai" typeface="LilyUPC"/>
+        <a:font script="Hebr" typeface="Gisha"/>
+        <a:font script="Thai" typeface="DilleniaUPC"/>
         <a:font script="Ethi" typeface="Nyala"/>
         <a:font script="Beng" typeface="Vrinda"/>
         <a:font script="Gujr" typeface="Shruti"/>
@@ -6908,16 +6748,16 @@
         <a:font script="Geor" typeface="Sylfaen"/>
       </a:majorFont>
       <a:minorFont>
-        <a:latin typeface="Franklin Gothic Book" panose="020B0503020102020204"/>
+        <a:latin typeface="Century Schoolbook" panose="02040604050505020304"/>
         <a:ea typeface=""/>
         <a:cs typeface=""/>
-        <a:font script="Jpan" typeface="メイリオ"/>
-        <a:font script="Hang" typeface="돋움"/>
-        <a:font script="Hans" typeface="华文楷体"/>
-        <a:font script="Hant" typeface="微軟正黑體"/>
+        <a:font script="Jpan" typeface="ＭＳ ゴシック"/>
+        <a:font script="Hang" typeface="맑은 고딕"/>
+        <a:font script="Hans" typeface="宋体"/>
+        <a:font script="Hant" typeface="新細明體"/>
         <a:font script="Arab" typeface="Tahoma"/>
-        <a:font script="Hebr" typeface="Aharoni"/>
-        <a:font script="Thai" typeface="LilyUPC"/>
+        <a:font script="Hebr" typeface="Gisha"/>
+        <a:font script="Thai" typeface="DilleniaUPC"/>
         <a:font script="Ethi" typeface="Nyala"/>
         <a:font script="Beng" typeface="Vrinda"/>
         <a:font script="Gujr" typeface="Shruti"/>
@@ -6938,85 +6778,49 @@
         <a:font script="Laoo" typeface="DokChampa"/>
         <a:font script="Sinh" typeface="Iskoola Pota"/>
         <a:font script="Mong" typeface="Mongolian Baiti"/>
-        <a:font script="Viet" typeface="Tahoma"/>
+        <a:font script="Viet" typeface="Verdana"/>
         <a:font script="Uigh" typeface="Microsoft Uighur"/>
         <a:font script="Geor" typeface="Sylfaen"/>
       </a:minorFont>
     </a:fontScheme>
-    <a:fmtScheme name="Crop">
+    <a:fmtScheme name="View">
       <a:fillStyleLst>
         <a:solidFill>
           <a:schemeClr val="phClr"/>
         </a:solidFill>
-        <a:gradFill rotWithShape="1">
-          <a:gsLst>
-            <a:gs pos="0">
-              <a:schemeClr val="phClr">
-                <a:tint val="67000"/>
-                <a:satMod val="105000"/>
-                <a:lumMod val="110000"/>
-              </a:schemeClr>
-            </a:gs>
-            <a:gs pos="50000">
-              <a:schemeClr val="phClr">
-                <a:tint val="73000"/>
-                <a:satMod val="103000"/>
-                <a:lumMod val="105000"/>
-              </a:schemeClr>
-            </a:gs>
-            <a:gs pos="100000">
-              <a:schemeClr val="phClr">
-                <a:tint val="81000"/>
-                <a:satMod val="109000"/>
-                <a:lumMod val="105000"/>
-              </a:schemeClr>
-            </a:gs>
-          </a:gsLst>
-          <a:lin ang="5400000" scaled="0"/>
-        </a:gradFill>
-        <a:gradFill rotWithShape="1">
-          <a:gsLst>
-            <a:gs pos="0">
-              <a:schemeClr val="phClr">
-                <a:tint val="94000"/>
-                <a:satMod val="103000"/>
-                <a:lumMod val="102000"/>
-              </a:schemeClr>
-            </a:gs>
-            <a:gs pos="50000">
-              <a:schemeClr val="phClr">
-                <a:shade val="100000"/>
-                <a:satMod val="110000"/>
-                <a:lumMod val="100000"/>
-              </a:schemeClr>
-            </a:gs>
-            <a:gs pos="100000">
-              <a:schemeClr val="phClr">
-                <a:shade val="78000"/>
-                <a:satMod val="120000"/>
-                <a:lumMod val="99000"/>
-              </a:schemeClr>
-            </a:gs>
-          </a:gsLst>
-          <a:lin ang="5400000" scaled="0"/>
-        </a:gradFill>
+        <a:solidFill>
+          <a:schemeClr val="phClr">
+            <a:tint val="60000"/>
+            <a:satMod val="120000"/>
+          </a:schemeClr>
+        </a:solidFill>
+        <a:solidFill>
+          <a:schemeClr val="phClr">
+            <a:shade val="75000"/>
+            <a:satMod val="160000"/>
+          </a:schemeClr>
+        </a:solidFill>
       </a:fillStyleLst>
       <a:lnStyleLst>
-        <a:ln w="6350" cap="flat" cmpd="sng" algn="in">
+        <a:ln w="9525" cap="flat" cmpd="sng" algn="ctr">
           <a:solidFill>
             <a:schemeClr val="phClr"/>
           </a:solidFill>
           <a:prstDash val="solid"/>
         </a:ln>
-        <a:ln w="34925" cap="flat" cmpd="sng" algn="in">
+        <a:ln w="13970" cap="flat" cmpd="sng" algn="ctr">
           <a:solidFill>
             <a:schemeClr val="phClr"/>
           </a:solidFill>
           <a:prstDash val="solid"/>
         </a:ln>
-        <a:ln w="19050" cap="flat" cmpd="sng" algn="in">
+        <a:ln w="17145" cap="flat" cmpd="sng" algn="ctr">
           <a:solidFill>
-            <a:schemeClr val="phClr"/>
+            <a:schemeClr val="phClr">
+              <a:shade val="95000"/>
+              <a:alpha val="95000"/>
+              <a:satMod val="150000"/>
+            </a:schemeClr>
           </a:solidFill>
           <a:prstDash val="solid"/>
         </a:ln>
@@ -7026,16 +6830,52 @@
           <a:effectLst/>
         </a:effectStyle>
         <a:effectStyle>
-          <a:effectLst/>
+          <a:effectLst>
+            <a:outerShdw blurRad="50800" dist="15240" dir="5400000" algn="tl" rotWithShape="0">
+              <a:srgbClr val="000000">
+                <a:alpha val="75000"/>
+              </a:srgbClr>
+            </a:outerShdw>
+          </a:effectLst>
+          <a:scene3d>
+            <a:camera prst="orthographicFront">
+              <a:rot lat="0" lon="0" rev="0"/>
+            </a:camera>
+            <a:lightRig rig="brightRoom" dir="tl"/>
+          </a:scene3d>
+          <a:sp3d contourW="9525" prstMaterial="flat">
+            <a:bevelT w="0" h="0" prst="coolSlant"/>
+            <a:contourClr>
+              <a:schemeClr val="phClr">
+                <a:shade val="35000"/>
+                <a:satMod val="130000"/>
+              </a:schemeClr>
+            </a:contourClr>
+          </a:sp3d>
         </a:effectStyle>
         <a:effectStyle>
           <a:effectLst>
-            <a:outerShdw blurRad="57150" dist="19050" dir="5400000" algn="ctr" rotWithShape="0">
+            <a:outerShdw blurRad="76200" dist="25400" dir="5400000" algn="tl" rotWithShape="0">
               <a:srgbClr val="000000">
-                <a:alpha val="35000"/>
+                <a:alpha val="55000"/>
               </a:srgbClr>
             </a:outerShdw>
           </a:effectLst>
+          <a:scene3d>
+            <a:camera prst="orthographicFront">
+              <a:rot lat="0" lon="0" rev="0"/>
+            </a:camera>
+            <a:lightRig rig="brightRoom" dir="tl"/>
+          </a:scene3d>
+          <a:sp3d contourW="19050" prstMaterial="flat">
+            <a:bevelT w="0" h="0" prst="coolSlant"/>
+            <a:contourClr>
+              <a:schemeClr val="phClr">
+                <a:shade val="25000"/>
+                <a:satMod val="140000"/>
+              </a:schemeClr>
+            </a:contourClr>
+          </a:sp3d>
         </a:effectStyle>
       </a:effectStyleLst>
       <a:bgFillStyleLst>
@@ -7052,28 +6892,23 @@
           <a:gsLst>
             <a:gs pos="0">
               <a:schemeClr val="phClr">
-                <a:tint val="93000"/>
+                <a:tint val="94000"/>
                 <a:shade val="98000"/>
-                <a:satMod val="150000"/>
+                <a:satMod val="130000"/>
                 <a:lumMod val="102000"/>
-              </a:schemeClr>
-            </a:gs>
-            <a:gs pos="50000">
-              <a:schemeClr val="phClr">
-                <a:tint val="98000"/>
-                <a:shade val="90000"/>
-                <a:satMod val="130000"/>
-                <a:lumMod val="103000"/>
               </a:schemeClr>
             </a:gs>
             <a:gs pos="100000">
               <a:schemeClr val="phClr">
-                <a:shade val="63000"/>
-                <a:satMod val="120000"/>
+                <a:tint val="98000"/>
+                <a:shade val="78000"/>
+                <a:satMod val="140000"/>
               </a:schemeClr>
             </a:gs>
           </a:gsLst>
-          <a:lin ang="5400000" scaled="0"/>
+          <a:path path="circle">
+            <a:fillToRect l="100000" t="100000" r="100000" b="100000"/>
+          </a:path>
         </a:gradFill>
       </a:bgFillStyleLst>
     </a:fmtScheme>
@@ -7082,7 +6917,7 @@
   <a:extraClrSchemeLst/>
   <a:extLst>
     <a:ext uri="{05A4C25C-085E-4340-85A3-A5531E510DB2}">
-      <thm15:themeFamily xmlns:thm15="http://schemas.microsoft.com/office/thememl/2012/main" name="Crop" id="{EC9488ED-E761-4D60-9AC4-764D1FE2C171}" vid="{CE19780C-D67D-4C13-9DE9-A52BC3BA51B4}"/>
+      <thm15:themeFamily xmlns:thm15="http://schemas.microsoft.com/office/thememl/2012/main" name="View" id="{BA0EB5A6-F2D4-4F82-977B-64ADEE4A2A69}" vid="{3969A8A2-35DB-4E3B-8885-16FD20568674}"/>
     </a:ext>
   </a:extLst>
 </a:theme>
